--- a/documents/Документы по нашей программе/QUILL.pptx
+++ b/documents/Документы по нашей программе/QUILL.pptx
@@ -5,7 +5,7 @@
     <p:sldMasterId id="2147483659" r:id="rId1"/>
   </p:sldMasterIdLst>
   <p:notesMasterIdLst>
-    <p:notesMasterId r:id="rId16"/>
+    <p:notesMasterId r:id="rId18"/>
   </p:notesMasterIdLst>
   <p:sldIdLst>
     <p:sldId id="256" r:id="rId2"/>
@@ -20,8 +20,10 @@
     <p:sldId id="295" r:id="rId11"/>
     <p:sldId id="290" r:id="rId12"/>
     <p:sldId id="291" r:id="rId13"/>
-    <p:sldId id="292" r:id="rId14"/>
-    <p:sldId id="283" r:id="rId15"/>
+    <p:sldId id="300" r:id="rId14"/>
+    <p:sldId id="292" r:id="rId15"/>
+    <p:sldId id="299" r:id="rId16"/>
+    <p:sldId id="283" r:id="rId17"/>
   </p:sldIdLst>
   <p:sldSz cx="9144000" cy="5143500" type="screen16x9"/>
   <p:notesSz cx="6858000" cy="9144000"/>
@@ -608,13 +610,640 @@
 </c:chartSpace>
 </file>
 
+<file path=ppt/charts/chart2.xml><?xml version="1.0" encoding="utf-8"?>
+<c:chartSpace xmlns:c="http://schemas.openxmlformats.org/drawingml/2006/chart" xmlns:a="http://schemas.openxmlformats.org/drawingml/2006/main" xmlns:r="http://schemas.openxmlformats.org/officeDocument/2006/relationships" xmlns:c16r2="http://schemas.microsoft.com/office/drawing/2015/06/chart">
+  <c:date1904 val="0"/>
+  <c:lang val="ru-RU"/>
+  <c:roundedCorners val="0"/>
+  <mc:AlternateContent xmlns:mc="http://schemas.openxmlformats.org/markup-compatibility/2006">
+    <mc:Choice xmlns:c14="http://schemas.microsoft.com/office/drawing/2007/8/2/chart" Requires="c14">
+      <c14:style val="103"/>
+    </mc:Choice>
+    <mc:Fallback>
+      <c:style val="3"/>
+    </mc:Fallback>
+  </mc:AlternateContent>
+  <c:chart>
+    <c:autoTitleDeleted val="1"/>
+    <c:plotArea>
+      <c:layout/>
+      <c:pieChart>
+        <c:varyColors val="1"/>
+        <c:dLbls>
+          <c:dLblPos val="inEnd"/>
+          <c:showLegendKey val="0"/>
+          <c:showVal val="0"/>
+          <c:showCatName val="0"/>
+          <c:showSerName val="0"/>
+          <c:showPercent val="1"/>
+          <c:showBubbleSize val="0"/>
+          <c:showLeaderLines val="0"/>
+        </c:dLbls>
+        <c:firstSliceAng val="0"/>
+      </c:pieChart>
+      <c:spPr>
+        <a:noFill/>
+        <a:ln>
+          <a:noFill/>
+        </a:ln>
+        <a:effectLst/>
+      </c:spPr>
+    </c:plotArea>
+    <c:legend>
+      <c:legendPos val="b"/>
+      <c:overlay val="0"/>
+      <c:spPr>
+        <a:noFill/>
+        <a:ln>
+          <a:noFill/>
+        </a:ln>
+        <a:effectLst/>
+      </c:spPr>
+      <c:txPr>
+        <a:bodyPr rot="0" spcFirstLastPara="1" vertOverflow="ellipsis" vert="horz" wrap="square" anchor="ctr" anchorCtr="1"/>
+        <a:lstStyle/>
+        <a:p>
+          <a:pPr>
+            <a:defRPr sz="1197" b="0" i="0" u="none" strike="noStrike" kern="1200" baseline="0">
+              <a:ln>
+                <a:noFill/>
+              </a:ln>
+              <a:solidFill>
+                <a:schemeClr val="bg1"/>
+              </a:solidFill>
+              <a:latin typeface="+mn-lt"/>
+              <a:ea typeface="+mn-ea"/>
+              <a:cs typeface="+mn-cs"/>
+            </a:defRPr>
+          </a:pPr>
+          <a:endParaRPr lang="ru-RU"/>
+        </a:p>
+      </c:txPr>
+    </c:legend>
+    <c:plotVisOnly val="1"/>
+    <c:dispBlanksAs val="gap"/>
+    <c:extLst>
+      <c:ext xmlns:c16r3="http://schemas.microsoft.com/office/drawing/2017/03/chart" uri="{56B9EC1D-385E-4148-901F-78D8002777C0}">
+        <c16r3:dataDisplayOptions16>
+          <c16r3:dispNaAsBlank val="1"/>
+        </c16r3:dataDisplayOptions16>
+      </c:ext>
+    </c:extLst>
+    <c:showDLblsOverMax val="0"/>
+  </c:chart>
+  <c:spPr>
+    <a:noFill/>
+    <a:ln>
+      <a:noFill/>
+    </a:ln>
+    <a:effectLst/>
+  </c:spPr>
+  <c:txPr>
+    <a:bodyPr/>
+    <a:lstStyle/>
+    <a:p>
+      <a:pPr>
+        <a:defRPr/>
+      </a:pPr>
+      <a:endParaRPr lang="ru-RU"/>
+    </a:p>
+  </c:txPr>
+  <c:externalData r:id="rId3">
+    <c:autoUpdate val="0"/>
+  </c:externalData>
+</c:chartSpace>
+</file>
+
 <file path=ppt/charts/colors1.xml><?xml version="1.0" encoding="utf-8"?>
 <cs:colorStyle xmlns:cs="http://schemas.microsoft.com/office/drawing/2012/chartStyle" xmlns:a="http://schemas.openxmlformats.org/drawingml/2006/main" meth="withinLinearReversed" id="21">
   <a:schemeClr val="accent1"/>
 </cs:colorStyle>
 </file>
 
+<file path=ppt/charts/colors2.xml><?xml version="1.0" encoding="utf-8"?>
+<cs:colorStyle xmlns:cs="http://schemas.microsoft.com/office/drawing/2012/chartStyle" xmlns:a="http://schemas.openxmlformats.org/drawingml/2006/main" meth="withinLinearReversed" id="21">
+  <a:schemeClr val="accent1"/>
+</cs:colorStyle>
+</file>
+
 <file path=ppt/charts/style1.xml><?xml version="1.0" encoding="utf-8"?>
+<cs:chartStyle xmlns:cs="http://schemas.microsoft.com/office/drawing/2012/chartStyle" xmlns:a="http://schemas.openxmlformats.org/drawingml/2006/main" id="258">
+  <cs:axisTitle>
+    <cs:lnRef idx="0"/>
+    <cs:fillRef idx="0"/>
+    <cs:effectRef idx="0"/>
+    <cs:fontRef idx="minor">
+      <a:schemeClr val="tx1">
+        <a:lumMod val="65000"/>
+        <a:lumOff val="35000"/>
+      </a:schemeClr>
+    </cs:fontRef>
+    <cs:defRPr sz="1197" kern="1200"/>
+  </cs:axisTitle>
+  <cs:categoryAxis>
+    <cs:lnRef idx="0"/>
+    <cs:fillRef idx="0"/>
+    <cs:effectRef idx="0"/>
+    <cs:fontRef idx="minor">
+      <a:schemeClr val="tx1">
+        <a:lumMod val="65000"/>
+        <a:lumOff val="35000"/>
+      </a:schemeClr>
+    </cs:fontRef>
+    <cs:defRPr sz="1197" kern="1200"/>
+  </cs:categoryAxis>
+  <cs:chartArea mods="allowNoFillOverride allowNoLineOverride">
+    <cs:lnRef idx="0"/>
+    <cs:fillRef idx="0"/>
+    <cs:effectRef idx="0"/>
+    <cs:fontRef idx="minor">
+      <a:schemeClr val="tx1"/>
+    </cs:fontRef>
+    <cs:spPr>
+      <a:solidFill>
+        <a:schemeClr val="bg1"/>
+      </a:solidFill>
+      <a:ln w="9525" cap="flat" cmpd="sng" algn="ctr">
+        <a:solidFill>
+          <a:schemeClr val="tx1">
+            <a:lumMod val="15000"/>
+            <a:lumOff val="85000"/>
+          </a:schemeClr>
+        </a:solidFill>
+        <a:round/>
+      </a:ln>
+    </cs:spPr>
+    <cs:defRPr sz="1197" kern="1200"/>
+  </cs:chartArea>
+  <cs:dataLabel>
+    <cs:lnRef idx="0"/>
+    <cs:fillRef idx="0"/>
+    <cs:effectRef idx="0"/>
+    <cs:fontRef idx="minor">
+      <a:schemeClr val="lt1"/>
+    </cs:fontRef>
+    <cs:defRPr sz="1197" b="1" kern="1200"/>
+  </cs:dataLabel>
+  <cs:dataLabelCallout>
+    <cs:lnRef idx="0"/>
+    <cs:fillRef idx="0"/>
+    <cs:effectRef idx="0"/>
+    <cs:fontRef idx="minor">
+      <a:schemeClr val="dk1">
+        <a:lumMod val="65000"/>
+        <a:lumOff val="35000"/>
+      </a:schemeClr>
+    </cs:fontRef>
+    <cs:spPr>
+      <a:solidFill>
+        <a:schemeClr val="lt1"/>
+      </a:solidFill>
+      <a:ln>
+        <a:solidFill>
+          <a:schemeClr val="dk1">
+            <a:lumMod val="25000"/>
+            <a:lumOff val="75000"/>
+          </a:schemeClr>
+        </a:solidFill>
+      </a:ln>
+    </cs:spPr>
+    <cs:defRPr sz="1197" kern="1200"/>
+    <cs:bodyPr rot="0" spcFirstLastPara="1" vertOverflow="clip" horzOverflow="clip" vert="horz" wrap="square" lIns="36576" tIns="18288" rIns="36576" bIns="18288" anchor="ctr" anchorCtr="1">
+      <a:spAutoFit/>
+    </cs:bodyPr>
+  </cs:dataLabelCallout>
+  <cs:dataPoint>
+    <cs:lnRef idx="0"/>
+    <cs:fillRef idx="0">
+      <cs:styleClr val="auto"/>
+    </cs:fillRef>
+    <cs:effectRef idx="0"/>
+    <cs:fontRef idx="minor">
+      <a:schemeClr val="tx1"/>
+    </cs:fontRef>
+    <cs:spPr>
+      <a:solidFill>
+        <a:schemeClr val="phClr"/>
+      </a:solidFill>
+      <a:scene3d>
+        <a:camera prst="orthographicFront"/>
+        <a:lightRig rig="brightRoom" dir="t"/>
+      </a:scene3d>
+      <a:sp3d prstMaterial="flat">
+        <a:bevelT w="50800" h="101600" prst="angle"/>
+        <a:contourClr>
+          <a:srgbClr val="000000"/>
+        </a:contourClr>
+      </a:sp3d>
+    </cs:spPr>
+  </cs:dataPoint>
+  <cs:dataPoint3D>
+    <cs:lnRef idx="0"/>
+    <cs:fillRef idx="0">
+      <cs:styleClr val="auto"/>
+    </cs:fillRef>
+    <cs:effectRef idx="0"/>
+    <cs:fontRef idx="minor">
+      <a:schemeClr val="tx1"/>
+    </cs:fontRef>
+    <cs:spPr>
+      <a:solidFill>
+        <a:schemeClr val="phClr"/>
+      </a:solidFill>
+      <a:ln w="19050">
+        <a:solidFill>
+          <a:schemeClr val="lt1"/>
+        </a:solidFill>
+      </a:ln>
+    </cs:spPr>
+  </cs:dataPoint3D>
+  <cs:dataPointLine>
+    <cs:lnRef idx="0">
+      <cs:styleClr val="auto"/>
+    </cs:lnRef>
+    <cs:fillRef idx="0"/>
+    <cs:effectRef idx="0"/>
+    <cs:fontRef idx="minor">
+      <a:schemeClr val="tx1"/>
+    </cs:fontRef>
+    <cs:spPr>
+      <a:ln w="28575" cap="rnd">
+        <a:solidFill>
+          <a:schemeClr val="phClr"/>
+        </a:solidFill>
+        <a:round/>
+      </a:ln>
+    </cs:spPr>
+  </cs:dataPointLine>
+  <cs:dataPointMarker>
+    <cs:lnRef idx="0"/>
+    <cs:fillRef idx="0">
+      <cs:styleClr val="auto"/>
+    </cs:fillRef>
+    <cs:effectRef idx="0"/>
+    <cs:fontRef idx="minor">
+      <a:schemeClr val="tx1"/>
+    </cs:fontRef>
+    <cs:spPr>
+      <a:solidFill>
+        <a:schemeClr val="phClr"/>
+      </a:solidFill>
+      <a:ln w="9525">
+        <a:solidFill>
+          <a:schemeClr val="lt1"/>
+        </a:solidFill>
+      </a:ln>
+    </cs:spPr>
+  </cs:dataPointMarker>
+  <cs:dataPointMarkerLayout symbol="circle" size="6"/>
+  <cs:dataPointWireframe>
+    <cs:lnRef idx="0">
+      <cs:styleClr val="auto"/>
+    </cs:lnRef>
+    <cs:fillRef idx="0"/>
+    <cs:effectRef idx="0"/>
+    <cs:fontRef idx="minor">
+      <a:schemeClr val="tx1"/>
+    </cs:fontRef>
+    <cs:spPr>
+      <a:ln w="9525" cap="rnd">
+        <a:solidFill>
+          <a:schemeClr val="phClr"/>
+        </a:solidFill>
+        <a:round/>
+      </a:ln>
+    </cs:spPr>
+  </cs:dataPointWireframe>
+  <cs:dataTable>
+    <cs:lnRef idx="0"/>
+    <cs:fillRef idx="0"/>
+    <cs:effectRef idx="0"/>
+    <cs:fontRef idx="minor">
+      <a:schemeClr val="tx1">
+        <a:lumMod val="65000"/>
+        <a:lumOff val="35000"/>
+      </a:schemeClr>
+    </cs:fontRef>
+    <cs:spPr>
+      <a:noFill/>
+      <a:ln w="9525" cap="flat" cmpd="sng" algn="ctr">
+        <a:solidFill>
+          <a:schemeClr val="tx1">
+            <a:lumMod val="15000"/>
+            <a:lumOff val="85000"/>
+          </a:schemeClr>
+        </a:solidFill>
+        <a:round/>
+      </a:ln>
+    </cs:spPr>
+    <cs:defRPr sz="1197" kern="1200"/>
+  </cs:dataTable>
+  <cs:downBar>
+    <cs:lnRef idx="0"/>
+    <cs:fillRef idx="0"/>
+    <cs:effectRef idx="0"/>
+    <cs:fontRef idx="minor">
+      <a:schemeClr val="tx1"/>
+    </cs:fontRef>
+    <cs:spPr>
+      <a:solidFill>
+        <a:schemeClr val="dk1">
+          <a:lumMod val="75000"/>
+          <a:lumOff val="25000"/>
+        </a:schemeClr>
+      </a:solidFill>
+      <a:ln w="9525" cap="flat" cmpd="sng" algn="ctr">
+        <a:solidFill>
+          <a:schemeClr val="tx1">
+            <a:lumMod val="65000"/>
+            <a:lumOff val="35000"/>
+          </a:schemeClr>
+        </a:solidFill>
+        <a:round/>
+      </a:ln>
+    </cs:spPr>
+  </cs:downBar>
+  <cs:dropLine>
+    <cs:lnRef idx="0"/>
+    <cs:fillRef idx="0"/>
+    <cs:effectRef idx="0"/>
+    <cs:fontRef idx="minor">
+      <a:schemeClr val="tx1"/>
+    </cs:fontRef>
+    <cs:spPr>
+      <a:ln w="9525" cap="flat" cmpd="sng" algn="ctr">
+        <a:solidFill>
+          <a:schemeClr val="tx1">
+            <a:lumMod val="35000"/>
+            <a:lumOff val="65000"/>
+          </a:schemeClr>
+        </a:solidFill>
+        <a:round/>
+      </a:ln>
+    </cs:spPr>
+  </cs:dropLine>
+  <cs:errorBar>
+    <cs:lnRef idx="0"/>
+    <cs:fillRef idx="0"/>
+    <cs:effectRef idx="0"/>
+    <cs:fontRef idx="minor">
+      <a:schemeClr val="tx1"/>
+    </cs:fontRef>
+    <cs:spPr>
+      <a:ln w="9525" cap="flat" cmpd="sng" algn="ctr">
+        <a:solidFill>
+          <a:schemeClr val="tx1">
+            <a:lumMod val="65000"/>
+            <a:lumOff val="35000"/>
+          </a:schemeClr>
+        </a:solidFill>
+        <a:round/>
+      </a:ln>
+    </cs:spPr>
+  </cs:errorBar>
+  <cs:floor>
+    <cs:lnRef idx="0"/>
+    <cs:fillRef idx="0"/>
+    <cs:effectRef idx="0"/>
+    <cs:fontRef idx="minor">
+      <a:schemeClr val="tx1"/>
+    </cs:fontRef>
+    <cs:spPr>
+      <a:noFill/>
+      <a:ln>
+        <a:noFill/>
+      </a:ln>
+    </cs:spPr>
+  </cs:floor>
+  <cs:gridlineMajor>
+    <cs:lnRef idx="0"/>
+    <cs:fillRef idx="0"/>
+    <cs:effectRef idx="0"/>
+    <cs:fontRef idx="minor">
+      <a:schemeClr val="tx1"/>
+    </cs:fontRef>
+    <cs:spPr>
+      <a:ln w="9525" cap="flat" cmpd="sng" algn="ctr">
+        <a:solidFill>
+          <a:schemeClr val="tx1">
+            <a:lumMod val="15000"/>
+            <a:lumOff val="85000"/>
+          </a:schemeClr>
+        </a:solidFill>
+        <a:round/>
+      </a:ln>
+    </cs:spPr>
+  </cs:gridlineMajor>
+  <cs:gridlineMinor>
+    <cs:lnRef idx="0"/>
+    <cs:fillRef idx="0"/>
+    <cs:effectRef idx="0"/>
+    <cs:fontRef idx="minor">
+      <a:schemeClr val="tx1"/>
+    </cs:fontRef>
+    <cs:spPr>
+      <a:ln w="9525" cap="flat" cmpd="sng" algn="ctr">
+        <a:solidFill>
+          <a:schemeClr val="tx1">
+            <a:lumMod val="5000"/>
+            <a:lumOff val="95000"/>
+          </a:schemeClr>
+        </a:solidFill>
+        <a:round/>
+      </a:ln>
+    </cs:spPr>
+  </cs:gridlineMinor>
+  <cs:hiLoLine>
+    <cs:lnRef idx="0"/>
+    <cs:fillRef idx="0"/>
+    <cs:effectRef idx="0"/>
+    <cs:fontRef idx="minor">
+      <a:schemeClr val="tx1"/>
+    </cs:fontRef>
+    <cs:spPr>
+      <a:ln w="9525" cap="flat" cmpd="sng" algn="ctr">
+        <a:solidFill>
+          <a:schemeClr val="tx1">
+            <a:lumMod val="50000"/>
+            <a:lumOff val="50000"/>
+          </a:schemeClr>
+        </a:solidFill>
+        <a:round/>
+      </a:ln>
+    </cs:spPr>
+  </cs:hiLoLine>
+  <cs:leaderLine>
+    <cs:lnRef idx="0"/>
+    <cs:fillRef idx="0"/>
+    <cs:effectRef idx="0"/>
+    <cs:fontRef idx="minor">
+      <a:schemeClr val="tx1"/>
+    </cs:fontRef>
+    <cs:spPr>
+      <a:ln w="9525" cap="flat" cmpd="sng" algn="ctr">
+        <a:solidFill>
+          <a:schemeClr val="tx1">
+            <a:lumMod val="35000"/>
+            <a:lumOff val="65000"/>
+          </a:schemeClr>
+        </a:solidFill>
+        <a:round/>
+      </a:ln>
+    </cs:spPr>
+  </cs:leaderLine>
+  <cs:legend>
+    <cs:lnRef idx="0"/>
+    <cs:fillRef idx="0"/>
+    <cs:effectRef idx="0"/>
+    <cs:fontRef idx="minor">
+      <a:schemeClr val="tx1">
+        <a:lumMod val="65000"/>
+        <a:lumOff val="35000"/>
+      </a:schemeClr>
+    </cs:fontRef>
+    <cs:defRPr sz="1197" kern="1200"/>
+  </cs:legend>
+  <cs:plotArea mods="allowNoFillOverride allowNoLineOverride">
+    <cs:lnRef idx="0"/>
+    <cs:fillRef idx="0"/>
+    <cs:effectRef idx="0"/>
+    <cs:fontRef idx="minor">
+      <a:schemeClr val="tx1"/>
+    </cs:fontRef>
+  </cs:plotArea>
+  <cs:plotArea3D mods="allowNoFillOverride allowNoLineOverride">
+    <cs:lnRef idx="0"/>
+    <cs:fillRef idx="0"/>
+    <cs:effectRef idx="0"/>
+    <cs:fontRef idx="minor">
+      <a:schemeClr val="tx1"/>
+    </cs:fontRef>
+  </cs:plotArea3D>
+  <cs:seriesAxis>
+    <cs:lnRef idx="0"/>
+    <cs:fillRef idx="0"/>
+    <cs:effectRef idx="0"/>
+    <cs:fontRef idx="minor">
+      <a:schemeClr val="tx1">
+        <a:lumMod val="65000"/>
+        <a:lumOff val="35000"/>
+      </a:schemeClr>
+    </cs:fontRef>
+    <cs:defRPr sz="1197" kern="1200"/>
+  </cs:seriesAxis>
+  <cs:seriesLine>
+    <cs:lnRef idx="0"/>
+    <cs:fillRef idx="0"/>
+    <cs:effectRef idx="0"/>
+    <cs:fontRef idx="minor">
+      <a:schemeClr val="tx1"/>
+    </cs:fontRef>
+    <cs:spPr>
+      <a:ln w="9525" cap="flat" cmpd="sng" algn="ctr">
+        <a:solidFill>
+          <a:schemeClr val="tx1">
+            <a:lumMod val="35000"/>
+            <a:lumOff val="65000"/>
+          </a:schemeClr>
+        </a:solidFill>
+        <a:round/>
+      </a:ln>
+    </cs:spPr>
+  </cs:seriesLine>
+  <cs:title>
+    <cs:lnRef idx="0"/>
+    <cs:fillRef idx="0"/>
+    <cs:effectRef idx="0"/>
+    <cs:fontRef idx="minor">
+      <a:schemeClr val="tx1">
+        <a:lumMod val="65000"/>
+        <a:lumOff val="35000"/>
+      </a:schemeClr>
+    </cs:fontRef>
+    <cs:defRPr sz="1862" b="1" i="0" kern="1200" cap="all" spc="50" baseline="0"/>
+  </cs:title>
+  <cs:trendline>
+    <cs:lnRef idx="0">
+      <cs:styleClr val="auto"/>
+    </cs:lnRef>
+    <cs:fillRef idx="0"/>
+    <cs:effectRef idx="0"/>
+    <cs:fontRef idx="minor">
+      <a:schemeClr val="tx1"/>
+    </cs:fontRef>
+    <cs:spPr>
+      <a:ln w="19050" cap="rnd">
+        <a:solidFill>
+          <a:schemeClr val="phClr"/>
+        </a:solidFill>
+        <a:prstDash val="sysDash"/>
+      </a:ln>
+    </cs:spPr>
+  </cs:trendline>
+  <cs:trendlineLabel>
+    <cs:lnRef idx="0"/>
+    <cs:fillRef idx="0"/>
+    <cs:effectRef idx="0"/>
+    <cs:fontRef idx="minor">
+      <a:schemeClr val="tx1">
+        <a:lumMod val="65000"/>
+        <a:lumOff val="35000"/>
+      </a:schemeClr>
+    </cs:fontRef>
+    <cs:defRPr sz="1197" kern="1200"/>
+  </cs:trendlineLabel>
+  <cs:upBar>
+    <cs:lnRef idx="0"/>
+    <cs:fillRef idx="0"/>
+    <cs:effectRef idx="0"/>
+    <cs:fontRef idx="minor">
+      <a:schemeClr val="tx1"/>
+    </cs:fontRef>
+    <cs:spPr>
+      <a:solidFill>
+        <a:schemeClr val="lt1"/>
+      </a:solidFill>
+      <a:ln w="9525" cap="flat" cmpd="sng" algn="ctr">
+        <a:solidFill>
+          <a:schemeClr val="tx1">
+            <a:lumMod val="65000"/>
+            <a:lumOff val="35000"/>
+          </a:schemeClr>
+        </a:solidFill>
+        <a:round/>
+      </a:ln>
+    </cs:spPr>
+  </cs:upBar>
+  <cs:valueAxis>
+    <cs:lnRef idx="0"/>
+    <cs:fillRef idx="0"/>
+    <cs:effectRef idx="0"/>
+    <cs:fontRef idx="minor">
+      <a:schemeClr val="tx1">
+        <a:lumMod val="65000"/>
+        <a:lumOff val="35000"/>
+      </a:schemeClr>
+    </cs:fontRef>
+    <cs:defRPr sz="1197" kern="1200"/>
+  </cs:valueAxis>
+  <cs:wall>
+    <cs:lnRef idx="0"/>
+    <cs:fillRef idx="0"/>
+    <cs:effectRef idx="0"/>
+    <cs:fontRef idx="minor">
+      <a:schemeClr val="tx1"/>
+    </cs:fontRef>
+    <cs:spPr>
+      <a:noFill/>
+      <a:ln>
+        <a:noFill/>
+      </a:ln>
+    </cs:spPr>
+  </cs:wall>
+</cs:chartStyle>
+</file>
+
+<file path=ppt/charts/style2.xml><?xml version="1.0" encoding="utf-8"?>
 <cs:chartStyle xmlns:cs="http://schemas.microsoft.com/office/drawing/2012/chartStyle" xmlns:a="http://schemas.openxmlformats.org/drawingml/2006/main" id="258">
   <cs:axisTitle>
     <cs:lnRef idx="0"/>
@@ -2008,6 +2637,115 @@
   <p:cSld>
     <p:spTree>
       <p:nvGrpSpPr>
+        <p:cNvPr id="1" name="Shape 63"/>
+        <p:cNvGrpSpPr/>
+        <p:nvPr/>
+      </p:nvGrpSpPr>
+      <p:grpSpPr>
+        <a:xfrm>
+          <a:off x="0" y="0"/>
+          <a:ext cx="0" cy="0"/>
+          <a:chOff x="0" y="0"/>
+          <a:chExt cx="0" cy="0"/>
+        </a:xfrm>
+      </p:grpSpPr>
+      <p:sp>
+        <p:nvSpPr>
+          <p:cNvPr id="64" name="Google Shape;64;g137106d2313_0_53:notes"/>
+          <p:cNvSpPr>
+            <a:spLocks noGrp="1" noRot="1" noChangeAspect="1"/>
+          </p:cNvSpPr>
+          <p:nvPr>
+            <p:ph type="sldImg" idx="2"/>
+          </p:nvPr>
+        </p:nvSpPr>
+        <p:spPr>
+          <a:xfrm>
+            <a:off x="381000" y="685800"/>
+            <a:ext cx="6096000" cy="3429000"/>
+          </a:xfrm>
+          <a:custGeom>
+            <a:avLst/>
+            <a:gdLst/>
+            <a:ahLst/>
+            <a:cxnLst/>
+            <a:rect l="l" t="t" r="r" b="b"/>
+            <a:pathLst>
+              <a:path w="120000" h="120000" extrusionOk="0">
+                <a:moveTo>
+                  <a:pt x="0" y="0"/>
+                </a:moveTo>
+                <a:lnTo>
+                  <a:pt x="120000" y="0"/>
+                </a:lnTo>
+                <a:lnTo>
+                  <a:pt x="120000" y="120000"/>
+                </a:lnTo>
+                <a:lnTo>
+                  <a:pt x="0" y="120000"/>
+                </a:lnTo>
+                <a:close/>
+              </a:path>
+            </a:pathLst>
+          </a:custGeom>
+        </p:spPr>
+      </p:sp>
+      <p:sp>
+        <p:nvSpPr>
+          <p:cNvPr id="65" name="Google Shape;65;g137106d2313_0_53:notes"/>
+          <p:cNvSpPr txBox="1">
+            <a:spLocks noGrp="1"/>
+          </p:cNvSpPr>
+          <p:nvPr>
+            <p:ph type="body" idx="1"/>
+          </p:nvPr>
+        </p:nvSpPr>
+        <p:spPr>
+          <a:xfrm>
+            <a:off x="685800" y="4343400"/>
+            <a:ext cx="5486400" cy="4114800"/>
+          </a:xfrm>
+          <a:prstGeom prst="rect">
+            <a:avLst/>
+          </a:prstGeom>
+        </p:spPr>
+        <p:txBody>
+          <a:bodyPr spcFirstLastPara="1" wrap="square" lIns="91425" tIns="91425" rIns="91425" bIns="91425" anchor="t" anchorCtr="0">
+            <a:noAutofit/>
+          </a:bodyPr>
+          <a:lstStyle/>
+          <a:p>
+            <a:pPr marL="0" lvl="0" indent="0" algn="l" rtl="0">
+              <a:spcBef>
+                <a:spcPts val="0"/>
+              </a:spcBef>
+              <a:spcAft>
+                <a:spcPts val="0"/>
+              </a:spcAft>
+              <a:buNone/>
+            </a:pPr>
+            <a:endParaRPr/>
+          </a:p>
+        </p:txBody>
+      </p:sp>
+    </p:spTree>
+    <p:extLst>
+      <p:ext uri="{BB962C8B-B14F-4D97-AF65-F5344CB8AC3E}">
+        <p14:creationId xmlns:p14="http://schemas.microsoft.com/office/powerpoint/2010/main" val="2033807136"/>
+      </p:ext>
+    </p:extLst>
+  </p:cSld>
+  <p:clrMapOvr>
+    <a:masterClrMapping/>
+  </p:clrMapOvr>
+</p:notes>
+</file>
+
+<file path=ppt/notesSlides/notesSlide14.xml><?xml version="1.0" encoding="utf-8"?>
+<p:notes xmlns:a="http://schemas.openxmlformats.org/drawingml/2006/main" xmlns:r="http://schemas.openxmlformats.org/officeDocument/2006/relationships" xmlns:p="http://schemas.openxmlformats.org/presentationml/2006/main" showMasterSp="0" showMasterPhAnim="0">
+  <p:cSld>
+    <p:spTree>
+      <p:nvGrpSpPr>
         <p:cNvPr id="1" name="Shape 84"/>
         <p:cNvGrpSpPr/>
         <p:nvPr/>
@@ -2112,7 +2850,116 @@
 </p:notes>
 </file>
 
-<file path=ppt/notesSlides/notesSlide14.xml><?xml version="1.0" encoding="utf-8"?>
+<file path=ppt/notesSlides/notesSlide15.xml><?xml version="1.0" encoding="utf-8"?>
+<p:notes xmlns:a="http://schemas.openxmlformats.org/drawingml/2006/main" xmlns:r="http://schemas.openxmlformats.org/officeDocument/2006/relationships" xmlns:p="http://schemas.openxmlformats.org/presentationml/2006/main" showMasterSp="0" showMasterPhAnim="0">
+  <p:cSld>
+    <p:spTree>
+      <p:nvGrpSpPr>
+        <p:cNvPr id="1" name="Shape 84"/>
+        <p:cNvGrpSpPr/>
+        <p:nvPr/>
+      </p:nvGrpSpPr>
+      <p:grpSpPr>
+        <a:xfrm>
+          <a:off x="0" y="0"/>
+          <a:ext cx="0" cy="0"/>
+          <a:chOff x="0" y="0"/>
+          <a:chExt cx="0" cy="0"/>
+        </a:xfrm>
+      </p:grpSpPr>
+      <p:sp>
+        <p:nvSpPr>
+          <p:cNvPr id="85" name="Google Shape;85;g252769032f0_0_14:notes"/>
+          <p:cNvSpPr>
+            <a:spLocks noGrp="1" noRot="1" noChangeAspect="1"/>
+          </p:cNvSpPr>
+          <p:nvPr>
+            <p:ph type="sldImg" idx="2"/>
+          </p:nvPr>
+        </p:nvSpPr>
+        <p:spPr>
+          <a:xfrm>
+            <a:off x="381000" y="685800"/>
+            <a:ext cx="6096000" cy="3429000"/>
+          </a:xfrm>
+          <a:custGeom>
+            <a:avLst/>
+            <a:gdLst/>
+            <a:ahLst/>
+            <a:cxnLst/>
+            <a:rect l="l" t="t" r="r" b="b"/>
+            <a:pathLst>
+              <a:path w="120000" h="120000" extrusionOk="0">
+                <a:moveTo>
+                  <a:pt x="0" y="0"/>
+                </a:moveTo>
+                <a:lnTo>
+                  <a:pt x="120000" y="0"/>
+                </a:lnTo>
+                <a:lnTo>
+                  <a:pt x="120000" y="120000"/>
+                </a:lnTo>
+                <a:lnTo>
+                  <a:pt x="0" y="120000"/>
+                </a:lnTo>
+                <a:close/>
+              </a:path>
+            </a:pathLst>
+          </a:custGeom>
+        </p:spPr>
+      </p:sp>
+      <p:sp>
+        <p:nvSpPr>
+          <p:cNvPr id="86" name="Google Shape;86;g252769032f0_0_14:notes"/>
+          <p:cNvSpPr txBox="1">
+            <a:spLocks noGrp="1"/>
+          </p:cNvSpPr>
+          <p:nvPr>
+            <p:ph type="body" idx="1"/>
+          </p:nvPr>
+        </p:nvSpPr>
+        <p:spPr>
+          <a:xfrm>
+            <a:off x="685800" y="4343400"/>
+            <a:ext cx="5486400" cy="4114800"/>
+          </a:xfrm>
+          <a:prstGeom prst="rect">
+            <a:avLst/>
+          </a:prstGeom>
+        </p:spPr>
+        <p:txBody>
+          <a:bodyPr spcFirstLastPara="1" wrap="square" lIns="91425" tIns="91425" rIns="91425" bIns="91425" anchor="t" anchorCtr="0">
+            <a:noAutofit/>
+          </a:bodyPr>
+          <a:lstStyle/>
+          <a:p>
+            <a:pPr marL="0" lvl="0" indent="0" algn="l" rtl="0">
+              <a:spcBef>
+                <a:spcPts val="0"/>
+              </a:spcBef>
+              <a:spcAft>
+                <a:spcPts val="0"/>
+              </a:spcAft>
+              <a:buNone/>
+            </a:pPr>
+            <a:endParaRPr/>
+          </a:p>
+        </p:txBody>
+      </p:sp>
+    </p:spTree>
+    <p:extLst>
+      <p:ext uri="{BB962C8B-B14F-4D97-AF65-F5344CB8AC3E}">
+        <p14:creationId xmlns:p14="http://schemas.microsoft.com/office/powerpoint/2010/main" val="2346799243"/>
+      </p:ext>
+    </p:extLst>
+  </p:cSld>
+  <p:clrMapOvr>
+    <a:masterClrMapping/>
+  </p:clrMapOvr>
+</p:notes>
+</file>
+
+<file path=ppt/notesSlides/notesSlide16.xml><?xml version="1.0" encoding="utf-8"?>
 <p:notes xmlns:a="http://schemas.openxmlformats.org/drawingml/2006/main" xmlns:r="http://schemas.openxmlformats.org/officeDocument/2006/relationships" xmlns:p="http://schemas.openxmlformats.org/presentationml/2006/main" showMasterSp="0" showMasterPhAnim="0">
   <p:cSld>
     <p:spTree>
@@ -7112,6 +7959,50 @@
                 <a:schemeClr val="bg1"/>
               </a:solidFill>
               <a:latin typeface="+mj-lt"/>
+            </a:endParaRPr>
+          </a:p>
+        </p:txBody>
+      </p:sp>
+      <p:sp>
+        <p:nvSpPr>
+          <p:cNvPr id="11" name="TextBox 10">
+            <a:extLst>
+              <a:ext uri="{FF2B5EF4-FFF2-40B4-BE49-F238E27FC236}">
+                <a16:creationId xmlns:a16="http://schemas.microsoft.com/office/drawing/2014/main" id="{85FF525F-DD65-417F-ACFB-8AA0F7D0CC5D}"/>
+              </a:ext>
+            </a:extLst>
+          </p:cNvPr>
+          <p:cNvSpPr txBox="1"/>
+          <p:nvPr/>
+        </p:nvSpPr>
+        <p:spPr>
+          <a:xfrm>
+            <a:off x="8372475" y="4679156"/>
+            <a:ext cx="383438" cy="307777"/>
+          </a:xfrm>
+          <a:prstGeom prst="rect">
+            <a:avLst/>
+          </a:prstGeom>
+          <a:noFill/>
+        </p:spPr>
+        <p:txBody>
+          <a:bodyPr wrap="none" rtlCol="0">
+            <a:spAutoFit/>
+          </a:bodyPr>
+          <a:lstStyle/>
+          <a:p>
+            <a:r>
+              <a:rPr lang="en-US" dirty="0">
+                <a:solidFill>
+                  <a:schemeClr val="bg1"/>
+                </a:solidFill>
+              </a:rPr>
+              <a:t>10</a:t>
+            </a:r>
+            <a:endParaRPr lang="ru-RU" dirty="0">
+              <a:solidFill>
+                <a:schemeClr val="bg1"/>
+              </a:solidFill>
             </a:endParaRPr>
           </a:p>
         </p:txBody>
@@ -8900,6 +9791,50 @@
           </a:prstGeom>
         </p:spPr>
       </p:pic>
+      <p:sp>
+        <p:nvSpPr>
+          <p:cNvPr id="15" name="TextBox 14">
+            <a:extLst>
+              <a:ext uri="{FF2B5EF4-FFF2-40B4-BE49-F238E27FC236}">
+                <a16:creationId xmlns:a16="http://schemas.microsoft.com/office/drawing/2014/main" id="{8D9938EC-6477-4BC6-B603-79DC61FB7927}"/>
+              </a:ext>
+            </a:extLst>
+          </p:cNvPr>
+          <p:cNvSpPr txBox="1"/>
+          <p:nvPr/>
+        </p:nvSpPr>
+        <p:spPr>
+          <a:xfrm>
+            <a:off x="8372475" y="4679156"/>
+            <a:ext cx="383438" cy="307777"/>
+          </a:xfrm>
+          <a:prstGeom prst="rect">
+            <a:avLst/>
+          </a:prstGeom>
+          <a:noFill/>
+        </p:spPr>
+        <p:txBody>
+          <a:bodyPr wrap="none" rtlCol="0">
+            <a:spAutoFit/>
+          </a:bodyPr>
+          <a:lstStyle/>
+          <a:p>
+            <a:r>
+              <a:rPr lang="en-US" dirty="0">
+                <a:solidFill>
+                  <a:schemeClr val="bg1"/>
+                </a:solidFill>
+              </a:rPr>
+              <a:t>11</a:t>
+            </a:r>
+            <a:endParaRPr lang="ru-RU" dirty="0">
+              <a:solidFill>
+                <a:schemeClr val="bg1"/>
+              </a:solidFill>
+            </a:endParaRPr>
+          </a:p>
+        </p:txBody>
+      </p:sp>
     </p:spTree>
     <p:extLst>
       <p:ext uri="{BB962C8B-B14F-4D97-AF65-F5344CB8AC3E}">
@@ -9132,8 +10067,8 @@
         </p:nvSpPr>
         <p:spPr>
           <a:xfrm>
-            <a:off x="3093394" y="194337"/>
-            <a:ext cx="3063255" cy="592995"/>
+            <a:off x="853000" y="194337"/>
+            <a:ext cx="7326594" cy="592995"/>
           </a:xfrm>
           <a:prstGeom prst="rect">
             <a:avLst/>
@@ -9405,7 +10340,7 @@
                 </a:solidFill>
                 <a:latin typeface="+mj-lt"/>
               </a:rPr>
-              <a:t>ТЕСТ-КЕЙСЫ</a:t>
+              <a:t>ФУНКЦИОНАЛЬНОЕ ТЕСТИРОВАНИЕ</a:t>
             </a:r>
             <a:endParaRPr lang="en-US" sz="3000" b="1" dirty="0">
               <a:solidFill>
@@ -10260,6 +11195,50 @@
           </a:graphicData>
         </a:graphic>
       </p:graphicFrame>
+      <p:sp>
+        <p:nvSpPr>
+          <p:cNvPr id="10" name="TextBox 9">
+            <a:extLst>
+              <a:ext uri="{FF2B5EF4-FFF2-40B4-BE49-F238E27FC236}">
+                <a16:creationId xmlns:a16="http://schemas.microsoft.com/office/drawing/2014/main" id="{6E3D8DE9-7B14-4244-B47B-3D2F3508D290}"/>
+              </a:ext>
+            </a:extLst>
+          </p:cNvPr>
+          <p:cNvSpPr txBox="1"/>
+          <p:nvPr/>
+        </p:nvSpPr>
+        <p:spPr>
+          <a:xfrm>
+            <a:off x="8372475" y="4679156"/>
+            <a:ext cx="383438" cy="307777"/>
+          </a:xfrm>
+          <a:prstGeom prst="rect">
+            <a:avLst/>
+          </a:prstGeom>
+          <a:noFill/>
+        </p:spPr>
+        <p:txBody>
+          <a:bodyPr wrap="none" rtlCol="0">
+            <a:spAutoFit/>
+          </a:bodyPr>
+          <a:lstStyle/>
+          <a:p>
+            <a:r>
+              <a:rPr lang="en-US" dirty="0">
+                <a:solidFill>
+                  <a:schemeClr val="bg1"/>
+                </a:solidFill>
+              </a:rPr>
+              <a:t>12</a:t>
+            </a:r>
+            <a:endParaRPr lang="ru-RU" dirty="0">
+              <a:solidFill>
+                <a:schemeClr val="bg1"/>
+              </a:solidFill>
+            </a:endParaRPr>
+          </a:p>
+        </p:txBody>
+      </p:sp>
     </p:spTree>
     <p:extLst>
       <p:ext uri="{BB962C8B-B14F-4D97-AF65-F5344CB8AC3E}">
@@ -10274,6 +11253,660 @@
 </file>
 
 <file path=ppt/slides/slide13.xml><?xml version="1.0" encoding="utf-8"?>
+<p:sld xmlns:a="http://schemas.openxmlformats.org/drawingml/2006/main" xmlns:r="http://schemas.openxmlformats.org/officeDocument/2006/relationships" xmlns:p="http://schemas.openxmlformats.org/presentationml/2006/main">
+  <p:cSld>
+    <p:bg>
+      <p:bgPr>
+        <a:solidFill>
+          <a:schemeClr val="tx1"/>
+        </a:solidFill>
+        <a:effectLst/>
+      </p:bgPr>
+    </p:bg>
+    <p:spTree>
+      <p:nvGrpSpPr>
+        <p:cNvPr id="1" name="Shape 66"/>
+        <p:cNvGrpSpPr/>
+        <p:nvPr/>
+      </p:nvGrpSpPr>
+      <p:grpSpPr>
+        <a:xfrm>
+          <a:off x="0" y="0"/>
+          <a:ext cx="0" cy="0"/>
+          <a:chOff x="0" y="0"/>
+          <a:chExt cx="0" cy="0"/>
+        </a:xfrm>
+      </p:grpSpPr>
+      <p:pic>
+        <p:nvPicPr>
+          <p:cNvPr id="19" name="Рисунок 18">
+            <a:extLst>
+              <a:ext uri="{FF2B5EF4-FFF2-40B4-BE49-F238E27FC236}">
+                <a16:creationId xmlns:a16="http://schemas.microsoft.com/office/drawing/2014/main" id="{9B08FEFD-18ED-44AB-BFDE-8D226D739474}"/>
+              </a:ext>
+            </a:extLst>
+          </p:cNvPr>
+          <p:cNvPicPr>
+            <a:picLocks noChangeAspect="1"/>
+          </p:cNvPicPr>
+          <p:nvPr/>
+        </p:nvPicPr>
+        <p:blipFill>
+          <a:blip r:embed="rId3">
+            <a:alphaModFix/>
+            <a:extLst>
+              <a:ext uri="{BEBA8EAE-BF5A-486C-A8C5-ECC9F3942E4B}">
+                <a14:imgProps xmlns:a14="http://schemas.microsoft.com/office/drawing/2010/main">
+                  <a14:imgLayer r:embed="rId4">
+                    <a14:imgEffect>
+                      <a14:saturation sat="91000"/>
+                    </a14:imgEffect>
+                  </a14:imgLayer>
+                </a14:imgProps>
+              </a:ext>
+            </a:extLst>
+          </a:blip>
+          <a:stretch>
+            <a:fillRect/>
+          </a:stretch>
+        </p:blipFill>
+        <p:spPr>
+          <a:xfrm>
+            <a:off x="-1451652" y="3826395"/>
+            <a:ext cx="4086071" cy="3911601"/>
+          </a:xfrm>
+          <a:prstGeom prst="rect">
+            <a:avLst/>
+          </a:prstGeom>
+        </p:spPr>
+      </p:pic>
+      <p:pic>
+        <p:nvPicPr>
+          <p:cNvPr id="20" name="Рисунок 19">
+            <a:extLst>
+              <a:ext uri="{FF2B5EF4-FFF2-40B4-BE49-F238E27FC236}">
+                <a16:creationId xmlns:a16="http://schemas.microsoft.com/office/drawing/2014/main" id="{9130C168-8E17-424B-AE30-5F488A1CD0BD}"/>
+              </a:ext>
+            </a:extLst>
+          </p:cNvPr>
+          <p:cNvPicPr>
+            <a:picLocks noChangeAspect="1"/>
+          </p:cNvPicPr>
+          <p:nvPr/>
+        </p:nvPicPr>
+        <p:blipFill>
+          <a:blip r:embed="rId5"/>
+          <a:stretch>
+            <a:fillRect/>
+          </a:stretch>
+        </p:blipFill>
+        <p:spPr>
+          <a:xfrm>
+            <a:off x="4625021" y="-1371839"/>
+            <a:ext cx="2341832" cy="2434774"/>
+          </a:xfrm>
+          <a:prstGeom prst="rect">
+            <a:avLst/>
+          </a:prstGeom>
+        </p:spPr>
+      </p:pic>
+      <p:pic>
+        <p:nvPicPr>
+          <p:cNvPr id="21" name="Рисунок 20">
+            <a:extLst>
+              <a:ext uri="{FF2B5EF4-FFF2-40B4-BE49-F238E27FC236}">
+                <a16:creationId xmlns:a16="http://schemas.microsoft.com/office/drawing/2014/main" id="{F7D3C0BB-F1AE-4BF9-AF10-79A7F079D7A3}"/>
+              </a:ext>
+            </a:extLst>
+          </p:cNvPr>
+          <p:cNvPicPr>
+            <a:picLocks noChangeAspect="1"/>
+          </p:cNvPicPr>
+          <p:nvPr/>
+        </p:nvPicPr>
+        <p:blipFill>
+          <a:blip r:embed="rId5"/>
+          <a:stretch>
+            <a:fillRect/>
+          </a:stretch>
+        </p:blipFill>
+        <p:spPr>
+          <a:xfrm>
+            <a:off x="4568869" y="1664769"/>
+            <a:ext cx="2392889" cy="2487857"/>
+          </a:xfrm>
+          <a:prstGeom prst="rect">
+            <a:avLst/>
+          </a:prstGeom>
+        </p:spPr>
+      </p:pic>
+      <p:pic>
+        <p:nvPicPr>
+          <p:cNvPr id="22" name="Рисунок 21">
+            <a:extLst>
+              <a:ext uri="{FF2B5EF4-FFF2-40B4-BE49-F238E27FC236}">
+                <a16:creationId xmlns:a16="http://schemas.microsoft.com/office/drawing/2014/main" id="{720A04B7-C35B-4821-90BA-0CFA233D4B4C}"/>
+              </a:ext>
+            </a:extLst>
+          </p:cNvPr>
+          <p:cNvPicPr>
+            <a:picLocks noChangeAspect="1"/>
+          </p:cNvPicPr>
+          <p:nvPr/>
+        </p:nvPicPr>
+        <p:blipFill>
+          <a:blip r:embed="rId3">
+            <a:alphaModFix/>
+            <a:extLst>
+              <a:ext uri="{BEBA8EAE-BF5A-486C-A8C5-ECC9F3942E4B}">
+                <a14:imgProps xmlns:a14="http://schemas.microsoft.com/office/drawing/2010/main">
+                  <a14:imgLayer r:embed="rId4">
+                    <a14:imgEffect>
+                      <a14:saturation sat="91000"/>
+                    </a14:imgEffect>
+                  </a14:imgLayer>
+                </a14:imgProps>
+              </a:ext>
+            </a:extLst>
+          </a:blip>
+          <a:stretch>
+            <a:fillRect/>
+          </a:stretch>
+        </p:blipFill>
+        <p:spPr>
+          <a:xfrm>
+            <a:off x="3929272" y="2460885"/>
+            <a:ext cx="2802268" cy="2682615"/>
+          </a:xfrm>
+          <a:prstGeom prst="rect">
+            <a:avLst/>
+          </a:prstGeom>
+        </p:spPr>
+      </p:pic>
+      <p:sp>
+        <p:nvSpPr>
+          <p:cNvPr id="13" name="TextBox 12">
+            <a:extLst>
+              <a:ext uri="{FF2B5EF4-FFF2-40B4-BE49-F238E27FC236}">
+                <a16:creationId xmlns:a16="http://schemas.microsoft.com/office/drawing/2014/main" id="{6E363826-8332-4FA6-A837-A263C0B17F5F}"/>
+              </a:ext>
+            </a:extLst>
+          </p:cNvPr>
+          <p:cNvSpPr txBox="1"/>
+          <p:nvPr/>
+        </p:nvSpPr>
+        <p:spPr>
+          <a:xfrm>
+            <a:off x="-228615" y="336948"/>
+            <a:ext cx="4572000" cy="307777"/>
+          </a:xfrm>
+          <a:prstGeom prst="rect">
+            <a:avLst/>
+          </a:prstGeom>
+          <a:noFill/>
+        </p:spPr>
+        <p:txBody>
+          <a:bodyPr wrap="square">
+            <a:spAutoFit/>
+          </a:bodyPr>
+          <a:lstStyle/>
+          <a:p>
+            <a:endParaRPr lang="ru-RU" dirty="0"/>
+          </a:p>
+        </p:txBody>
+      </p:sp>
+      <p:sp>
+        <p:nvSpPr>
+          <p:cNvPr id="11" name="Google Shape;60;p14">
+            <a:extLst>
+              <a:ext uri="{FF2B5EF4-FFF2-40B4-BE49-F238E27FC236}">
+                <a16:creationId xmlns:a16="http://schemas.microsoft.com/office/drawing/2014/main" id="{5F655836-3C0B-4DC2-A888-3C5FAA908019}"/>
+              </a:ext>
+            </a:extLst>
+          </p:cNvPr>
+          <p:cNvSpPr txBox="1">
+            <a:spLocks/>
+          </p:cNvSpPr>
+          <p:nvPr/>
+        </p:nvSpPr>
+        <p:spPr>
+          <a:xfrm>
+            <a:off x="4373202" y="194337"/>
+            <a:ext cx="3806392" cy="592995"/>
+          </a:xfrm>
+          <a:prstGeom prst="rect">
+            <a:avLst/>
+          </a:prstGeom>
+          <a:noFill/>
+          <a:ln>
+            <a:noFill/>
+          </a:ln>
+        </p:spPr>
+        <p:txBody>
+          <a:bodyPr spcFirstLastPara="1" wrap="square" lIns="91425" tIns="91425" rIns="91425" bIns="91425" anchor="t" anchorCtr="0">
+            <a:noAutofit/>
+          </a:bodyPr>
+          <a:lstStyle>
+            <a:defPPr marR="0" lvl="0" algn="l" rtl="0">
+              <a:lnSpc>
+                <a:spcPct val="100000"/>
+              </a:lnSpc>
+              <a:spcBef>
+                <a:spcPts val="0"/>
+              </a:spcBef>
+              <a:spcAft>
+                <a:spcPts val="0"/>
+              </a:spcAft>
+            </a:defPPr>
+            <a:lvl1pPr marR="0" lvl="0" algn="ctr" rtl="0">
+              <a:lnSpc>
+                <a:spcPct val="100000"/>
+              </a:lnSpc>
+              <a:spcBef>
+                <a:spcPts val="0"/>
+              </a:spcBef>
+              <a:spcAft>
+                <a:spcPts val="0"/>
+              </a:spcAft>
+              <a:buClr>
+                <a:schemeClr val="dk1"/>
+              </a:buClr>
+              <a:buSzPts val="5200"/>
+              <a:buFont typeface="Arial"/>
+              <a:buNone/>
+              <a:defRPr sz="5200" b="0" i="0" u="none" strike="noStrike" cap="none">
+                <a:solidFill>
+                  <a:schemeClr val="dk1"/>
+                </a:solidFill>
+                <a:latin typeface="Arial"/>
+                <a:ea typeface="Arial"/>
+                <a:cs typeface="Arial"/>
+                <a:sym typeface="Arial"/>
+              </a:defRPr>
+            </a:lvl1pPr>
+            <a:lvl2pPr marR="0" lvl="1" algn="ctr" rtl="0">
+              <a:lnSpc>
+                <a:spcPct val="100000"/>
+              </a:lnSpc>
+              <a:spcBef>
+                <a:spcPts val="0"/>
+              </a:spcBef>
+              <a:spcAft>
+                <a:spcPts val="0"/>
+              </a:spcAft>
+              <a:buClr>
+                <a:schemeClr val="dk1"/>
+              </a:buClr>
+              <a:buSzPts val="5200"/>
+              <a:buFont typeface="Arial"/>
+              <a:buNone/>
+              <a:defRPr sz="5200" b="0" i="0" u="none" strike="noStrike" cap="none">
+                <a:solidFill>
+                  <a:schemeClr val="dk1"/>
+                </a:solidFill>
+                <a:latin typeface="Arial"/>
+                <a:ea typeface="Arial"/>
+                <a:cs typeface="Arial"/>
+                <a:sym typeface="Arial"/>
+              </a:defRPr>
+            </a:lvl2pPr>
+            <a:lvl3pPr marR="0" lvl="2" algn="ctr" rtl="0">
+              <a:lnSpc>
+                <a:spcPct val="100000"/>
+              </a:lnSpc>
+              <a:spcBef>
+                <a:spcPts val="0"/>
+              </a:spcBef>
+              <a:spcAft>
+                <a:spcPts val="0"/>
+              </a:spcAft>
+              <a:buClr>
+                <a:schemeClr val="dk1"/>
+              </a:buClr>
+              <a:buSzPts val="5200"/>
+              <a:buFont typeface="Arial"/>
+              <a:buNone/>
+              <a:defRPr sz="5200" b="0" i="0" u="none" strike="noStrike" cap="none">
+                <a:solidFill>
+                  <a:schemeClr val="dk1"/>
+                </a:solidFill>
+                <a:latin typeface="Arial"/>
+                <a:ea typeface="Arial"/>
+                <a:cs typeface="Arial"/>
+                <a:sym typeface="Arial"/>
+              </a:defRPr>
+            </a:lvl3pPr>
+            <a:lvl4pPr marR="0" lvl="3" algn="ctr" rtl="0">
+              <a:lnSpc>
+                <a:spcPct val="100000"/>
+              </a:lnSpc>
+              <a:spcBef>
+                <a:spcPts val="0"/>
+              </a:spcBef>
+              <a:spcAft>
+                <a:spcPts val="0"/>
+              </a:spcAft>
+              <a:buClr>
+                <a:schemeClr val="dk1"/>
+              </a:buClr>
+              <a:buSzPts val="5200"/>
+              <a:buFont typeface="Arial"/>
+              <a:buNone/>
+              <a:defRPr sz="5200" b="0" i="0" u="none" strike="noStrike" cap="none">
+                <a:solidFill>
+                  <a:schemeClr val="dk1"/>
+                </a:solidFill>
+                <a:latin typeface="Arial"/>
+                <a:ea typeface="Arial"/>
+                <a:cs typeface="Arial"/>
+                <a:sym typeface="Arial"/>
+              </a:defRPr>
+            </a:lvl4pPr>
+            <a:lvl5pPr marR="0" lvl="4" algn="ctr" rtl="0">
+              <a:lnSpc>
+                <a:spcPct val="100000"/>
+              </a:lnSpc>
+              <a:spcBef>
+                <a:spcPts val="0"/>
+              </a:spcBef>
+              <a:spcAft>
+                <a:spcPts val="0"/>
+              </a:spcAft>
+              <a:buClr>
+                <a:schemeClr val="dk1"/>
+              </a:buClr>
+              <a:buSzPts val="5200"/>
+              <a:buFont typeface="Arial"/>
+              <a:buNone/>
+              <a:defRPr sz="5200" b="0" i="0" u="none" strike="noStrike" cap="none">
+                <a:solidFill>
+                  <a:schemeClr val="dk1"/>
+                </a:solidFill>
+                <a:latin typeface="Arial"/>
+                <a:ea typeface="Arial"/>
+                <a:cs typeface="Arial"/>
+                <a:sym typeface="Arial"/>
+              </a:defRPr>
+            </a:lvl5pPr>
+            <a:lvl6pPr marR="0" lvl="5" algn="ctr" rtl="0">
+              <a:lnSpc>
+                <a:spcPct val="100000"/>
+              </a:lnSpc>
+              <a:spcBef>
+                <a:spcPts val="0"/>
+              </a:spcBef>
+              <a:spcAft>
+                <a:spcPts val="0"/>
+              </a:spcAft>
+              <a:buClr>
+                <a:schemeClr val="dk1"/>
+              </a:buClr>
+              <a:buSzPts val="5200"/>
+              <a:buFont typeface="Arial"/>
+              <a:buNone/>
+              <a:defRPr sz="5200" b="0" i="0" u="none" strike="noStrike" cap="none">
+                <a:solidFill>
+                  <a:schemeClr val="dk1"/>
+                </a:solidFill>
+                <a:latin typeface="Arial"/>
+                <a:ea typeface="Arial"/>
+                <a:cs typeface="Arial"/>
+                <a:sym typeface="Arial"/>
+              </a:defRPr>
+            </a:lvl6pPr>
+            <a:lvl7pPr marR="0" lvl="6" algn="ctr" rtl="0">
+              <a:lnSpc>
+                <a:spcPct val="100000"/>
+              </a:lnSpc>
+              <a:spcBef>
+                <a:spcPts val="0"/>
+              </a:spcBef>
+              <a:spcAft>
+                <a:spcPts val="0"/>
+              </a:spcAft>
+              <a:buClr>
+                <a:schemeClr val="dk1"/>
+              </a:buClr>
+              <a:buSzPts val="5200"/>
+              <a:buFont typeface="Arial"/>
+              <a:buNone/>
+              <a:defRPr sz="5200" b="0" i="0" u="none" strike="noStrike" cap="none">
+                <a:solidFill>
+                  <a:schemeClr val="dk1"/>
+                </a:solidFill>
+                <a:latin typeface="Arial"/>
+                <a:ea typeface="Arial"/>
+                <a:cs typeface="Arial"/>
+                <a:sym typeface="Arial"/>
+              </a:defRPr>
+            </a:lvl7pPr>
+            <a:lvl8pPr marR="0" lvl="7" algn="ctr" rtl="0">
+              <a:lnSpc>
+                <a:spcPct val="100000"/>
+              </a:lnSpc>
+              <a:spcBef>
+                <a:spcPts val="0"/>
+              </a:spcBef>
+              <a:spcAft>
+                <a:spcPts val="0"/>
+              </a:spcAft>
+              <a:buClr>
+                <a:schemeClr val="dk1"/>
+              </a:buClr>
+              <a:buSzPts val="5200"/>
+              <a:buFont typeface="Arial"/>
+              <a:buNone/>
+              <a:defRPr sz="5200" b="0" i="0" u="none" strike="noStrike" cap="none">
+                <a:solidFill>
+                  <a:schemeClr val="dk1"/>
+                </a:solidFill>
+                <a:latin typeface="Arial"/>
+                <a:ea typeface="Arial"/>
+                <a:cs typeface="Arial"/>
+                <a:sym typeface="Arial"/>
+              </a:defRPr>
+            </a:lvl8pPr>
+            <a:lvl9pPr marR="0" lvl="8" algn="ctr" rtl="0">
+              <a:lnSpc>
+                <a:spcPct val="100000"/>
+              </a:lnSpc>
+              <a:spcBef>
+                <a:spcPts val="0"/>
+              </a:spcBef>
+              <a:spcAft>
+                <a:spcPts val="0"/>
+              </a:spcAft>
+              <a:buClr>
+                <a:schemeClr val="dk1"/>
+              </a:buClr>
+              <a:buSzPts val="5200"/>
+              <a:buFont typeface="Arial"/>
+              <a:buNone/>
+              <a:defRPr sz="5200" b="0" i="0" u="none" strike="noStrike" cap="none">
+                <a:solidFill>
+                  <a:schemeClr val="dk1"/>
+                </a:solidFill>
+                <a:latin typeface="Arial"/>
+                <a:ea typeface="Arial"/>
+                <a:cs typeface="Arial"/>
+                <a:sym typeface="Arial"/>
+              </a:defRPr>
+            </a:lvl9pPr>
+          </a:lstStyle>
+          <a:p>
+            <a:pPr algn="l">
+              <a:buSzPts val="990"/>
+            </a:pPr>
+            <a:r>
+              <a:rPr lang="en-US" sz="3000" b="1" dirty="0">
+                <a:solidFill>
+                  <a:schemeClr val="bg1"/>
+                </a:solidFill>
+                <a:latin typeface="+mj-lt"/>
+              </a:rPr>
+              <a:t>UNIT-</a:t>
+            </a:r>
+            <a:r>
+              <a:rPr lang="ru-RU" sz="3000" b="1" dirty="0">
+                <a:solidFill>
+                  <a:schemeClr val="bg1"/>
+                </a:solidFill>
+                <a:latin typeface="+mj-lt"/>
+              </a:rPr>
+              <a:t>ТЕСТЫ</a:t>
+            </a:r>
+            <a:endParaRPr lang="en-US" sz="3000" b="1" dirty="0">
+              <a:solidFill>
+                <a:schemeClr val="bg1"/>
+              </a:solidFill>
+              <a:latin typeface="+mj-lt"/>
+            </a:endParaRPr>
+          </a:p>
+        </p:txBody>
+      </p:sp>
+      <p:graphicFrame>
+        <p:nvGraphicFramePr>
+          <p:cNvPr id="14" name="Диаграмма 13">
+            <a:extLst>
+              <a:ext uri="{FF2B5EF4-FFF2-40B4-BE49-F238E27FC236}">
+                <a16:creationId xmlns:a16="http://schemas.microsoft.com/office/drawing/2014/main" id="{423512F2-7AA2-F149-5ED1-ED46FA9585C6}"/>
+              </a:ext>
+            </a:extLst>
+          </p:cNvPr>
+          <p:cNvGraphicFramePr/>
+          <p:nvPr/>
+        </p:nvGraphicFramePr>
+        <p:xfrm>
+          <a:off x="6390640" y="901241"/>
+          <a:ext cx="2500670" cy="3341018"/>
+        </p:xfrm>
+        <a:graphic>
+          <a:graphicData uri="http://schemas.openxmlformats.org/drawingml/2006/chart">
+            <c:chart xmlns:c="http://schemas.openxmlformats.org/drawingml/2006/chart" xmlns:r="http://schemas.openxmlformats.org/officeDocument/2006/relationships" r:id="rId6"/>
+          </a:graphicData>
+        </a:graphic>
+      </p:graphicFrame>
+      <p:sp>
+        <p:nvSpPr>
+          <p:cNvPr id="10" name="TextBox 9">
+            <a:extLst>
+              <a:ext uri="{FF2B5EF4-FFF2-40B4-BE49-F238E27FC236}">
+                <a16:creationId xmlns:a16="http://schemas.microsoft.com/office/drawing/2014/main" id="{6E3D8DE9-7B14-4244-B47B-3D2F3508D290}"/>
+              </a:ext>
+            </a:extLst>
+          </p:cNvPr>
+          <p:cNvSpPr txBox="1"/>
+          <p:nvPr/>
+        </p:nvSpPr>
+        <p:spPr>
+          <a:xfrm>
+            <a:off x="8372475" y="4679156"/>
+            <a:ext cx="383438" cy="307777"/>
+          </a:xfrm>
+          <a:prstGeom prst="rect">
+            <a:avLst/>
+          </a:prstGeom>
+          <a:noFill/>
+        </p:spPr>
+        <p:txBody>
+          <a:bodyPr wrap="none" rtlCol="0">
+            <a:spAutoFit/>
+          </a:bodyPr>
+          <a:lstStyle/>
+          <a:p>
+            <a:r>
+              <a:rPr lang="en-US" dirty="0">
+                <a:solidFill>
+                  <a:schemeClr val="bg1"/>
+                </a:solidFill>
+              </a:rPr>
+              <a:t>1</a:t>
+            </a:r>
+            <a:r>
+              <a:rPr lang="ru-RU" dirty="0">
+                <a:solidFill>
+                  <a:schemeClr val="bg1"/>
+                </a:solidFill>
+              </a:rPr>
+              <a:t>3</a:t>
+            </a:r>
+          </a:p>
+        </p:txBody>
+      </p:sp>
+      <p:pic>
+        <p:nvPicPr>
+          <p:cNvPr id="4" name="Рисунок 3">
+            <a:extLst>
+              <a:ext uri="{FF2B5EF4-FFF2-40B4-BE49-F238E27FC236}">
+                <a16:creationId xmlns:a16="http://schemas.microsoft.com/office/drawing/2014/main" id="{78FFBED7-3504-4D56-B98F-A7ECE186E6DF}"/>
+              </a:ext>
+            </a:extLst>
+          </p:cNvPr>
+          <p:cNvPicPr>
+            <a:picLocks noChangeAspect="1"/>
+          </p:cNvPicPr>
+          <p:nvPr/>
+        </p:nvPicPr>
+        <p:blipFill>
+          <a:blip r:embed="rId7"/>
+          <a:stretch>
+            <a:fillRect/>
+          </a:stretch>
+        </p:blipFill>
+        <p:spPr>
+          <a:xfrm>
+            <a:off x="540702" y="0"/>
+            <a:ext cx="3639207" cy="5143500"/>
+          </a:xfrm>
+          <a:prstGeom prst="rect">
+            <a:avLst/>
+          </a:prstGeom>
+        </p:spPr>
+      </p:pic>
+      <p:pic>
+        <p:nvPicPr>
+          <p:cNvPr id="6" name="Рисунок 5">
+            <a:extLst>
+              <a:ext uri="{FF2B5EF4-FFF2-40B4-BE49-F238E27FC236}">
+                <a16:creationId xmlns:a16="http://schemas.microsoft.com/office/drawing/2014/main" id="{AD21899B-7266-40B3-96C6-4EF2AA7EA065}"/>
+              </a:ext>
+            </a:extLst>
+          </p:cNvPr>
+          <p:cNvPicPr>
+            <a:picLocks noChangeAspect="1"/>
+          </p:cNvPicPr>
+          <p:nvPr/>
+        </p:nvPicPr>
+        <p:blipFill>
+          <a:blip r:embed="rId8"/>
+          <a:stretch>
+            <a:fillRect/>
+          </a:stretch>
+        </p:blipFill>
+        <p:spPr>
+          <a:xfrm>
+            <a:off x="3929272" y="1476620"/>
+            <a:ext cx="4581525" cy="2857500"/>
+          </a:xfrm>
+          <a:prstGeom prst="rect">
+            <a:avLst/>
+          </a:prstGeom>
+        </p:spPr>
+      </p:pic>
+    </p:spTree>
+    <p:extLst>
+      <p:ext uri="{BB962C8B-B14F-4D97-AF65-F5344CB8AC3E}">
+        <p14:creationId xmlns:p14="http://schemas.microsoft.com/office/powerpoint/2010/main" val="928963626"/>
+      </p:ext>
+    </p:extLst>
+  </p:cSld>
+  <p:clrMapOvr>
+    <a:masterClrMapping/>
+  </p:clrMapOvr>
+</p:sld>
+</file>
+
+<file path=ppt/slides/slide14.xml><?xml version="1.0" encoding="utf-8"?>
 <p:sld xmlns:a="http://schemas.openxmlformats.org/drawingml/2006/main" xmlns:r="http://schemas.openxmlformats.org/officeDocument/2006/relationships" xmlns:p="http://schemas.openxmlformats.org/presentationml/2006/main">
   <p:cSld>
     <p:bg>
@@ -11165,6 +12798,53 @@
           </a:prstGeom>
         </p:spPr>
       </p:pic>
+      <p:sp>
+        <p:nvSpPr>
+          <p:cNvPr id="11" name="TextBox 10">
+            <a:extLst>
+              <a:ext uri="{FF2B5EF4-FFF2-40B4-BE49-F238E27FC236}">
+                <a16:creationId xmlns:a16="http://schemas.microsoft.com/office/drawing/2014/main" id="{0D138707-1964-44ED-BB9A-F9C2EC691260}"/>
+              </a:ext>
+            </a:extLst>
+          </p:cNvPr>
+          <p:cNvSpPr txBox="1"/>
+          <p:nvPr/>
+        </p:nvSpPr>
+        <p:spPr>
+          <a:xfrm>
+            <a:off x="8372475" y="4679156"/>
+            <a:ext cx="383438" cy="307777"/>
+          </a:xfrm>
+          <a:prstGeom prst="rect">
+            <a:avLst/>
+          </a:prstGeom>
+          <a:noFill/>
+        </p:spPr>
+        <p:txBody>
+          <a:bodyPr wrap="none" rtlCol="0">
+            <a:spAutoFit/>
+          </a:bodyPr>
+          <a:lstStyle/>
+          <a:p>
+            <a:r>
+              <a:rPr lang="en-US" dirty="0">
+                <a:solidFill>
+                  <a:schemeClr val="bg1"/>
+                </a:solidFill>
+              </a:rPr>
+              <a:t>1</a:t>
+            </a:r>
+            <a:r>
+              <a:rPr lang="ru-RU" dirty="0">
+                <a:solidFill>
+                  <a:schemeClr val="bg1"/>
+                </a:solidFill>
+              </a:rPr>
+              <a:t>4</a:t>
+            </a:r>
+          </a:p>
+        </p:txBody>
+      </p:sp>
     </p:spTree>
     <p:extLst>
       <p:ext uri="{BB962C8B-B14F-4D97-AF65-F5344CB8AC3E}">
@@ -11178,7 +12858,519 @@
 </p:sld>
 </file>
 
-<file path=ppt/slides/slide14.xml><?xml version="1.0" encoding="utf-8"?>
+<file path=ppt/slides/slide15.xml><?xml version="1.0" encoding="utf-8"?>
+<p:sld xmlns:a="http://schemas.openxmlformats.org/drawingml/2006/main" xmlns:r="http://schemas.openxmlformats.org/officeDocument/2006/relationships" xmlns:p="http://schemas.openxmlformats.org/presentationml/2006/main">
+  <p:cSld>
+    <p:bg>
+      <p:bgPr>
+        <a:solidFill>
+          <a:schemeClr val="tx1"/>
+        </a:solidFill>
+        <a:effectLst/>
+      </p:bgPr>
+    </p:bg>
+    <p:spTree>
+      <p:nvGrpSpPr>
+        <p:cNvPr id="1" name="Shape 87"/>
+        <p:cNvGrpSpPr/>
+        <p:nvPr/>
+      </p:nvGrpSpPr>
+      <p:grpSpPr>
+        <a:xfrm>
+          <a:off x="0" y="0"/>
+          <a:ext cx="0" cy="0"/>
+          <a:chOff x="0" y="0"/>
+          <a:chExt cx="0" cy="0"/>
+        </a:xfrm>
+      </p:grpSpPr>
+      <p:pic>
+        <p:nvPicPr>
+          <p:cNvPr id="15" name="Рисунок 14">
+            <a:extLst>
+              <a:ext uri="{FF2B5EF4-FFF2-40B4-BE49-F238E27FC236}">
+                <a16:creationId xmlns:a16="http://schemas.microsoft.com/office/drawing/2014/main" id="{FF57F366-8528-4B4C-BDB1-813ABB4EBA17}"/>
+              </a:ext>
+            </a:extLst>
+          </p:cNvPr>
+          <p:cNvPicPr>
+            <a:picLocks noChangeAspect="1"/>
+          </p:cNvPicPr>
+          <p:nvPr/>
+        </p:nvPicPr>
+        <p:blipFill>
+          <a:blip r:embed="rId3"/>
+          <a:stretch>
+            <a:fillRect/>
+          </a:stretch>
+        </p:blipFill>
+        <p:spPr>
+          <a:xfrm>
+            <a:off x="-1063107" y="-882083"/>
+            <a:ext cx="2341832" cy="2434774"/>
+          </a:xfrm>
+          <a:prstGeom prst="rect">
+            <a:avLst/>
+          </a:prstGeom>
+        </p:spPr>
+      </p:pic>
+      <p:pic>
+        <p:nvPicPr>
+          <p:cNvPr id="5" name="Рисунок 4">
+            <a:extLst>
+              <a:ext uri="{FF2B5EF4-FFF2-40B4-BE49-F238E27FC236}">
+                <a16:creationId xmlns:a16="http://schemas.microsoft.com/office/drawing/2014/main" id="{D5DE86CF-9838-40FC-BFBD-93D20E9C1629}"/>
+              </a:ext>
+            </a:extLst>
+          </p:cNvPr>
+          <p:cNvPicPr>
+            <a:picLocks noChangeAspect="1"/>
+          </p:cNvPicPr>
+          <p:nvPr/>
+        </p:nvPicPr>
+        <p:blipFill>
+          <a:blip r:embed="rId4"/>
+          <a:stretch>
+            <a:fillRect/>
+          </a:stretch>
+        </p:blipFill>
+        <p:spPr>
+          <a:xfrm>
+            <a:off x="1785348" y="-101426"/>
+            <a:ext cx="7358652" cy="4464474"/>
+          </a:xfrm>
+          <a:prstGeom prst="rect">
+            <a:avLst/>
+          </a:prstGeom>
+        </p:spPr>
+      </p:pic>
+      <p:sp>
+        <p:nvSpPr>
+          <p:cNvPr id="22" name="Google Shape;60;p14">
+            <a:extLst>
+              <a:ext uri="{FF2B5EF4-FFF2-40B4-BE49-F238E27FC236}">
+                <a16:creationId xmlns:a16="http://schemas.microsoft.com/office/drawing/2014/main" id="{7352A7B8-6471-4C4C-88E3-962748A0C913}"/>
+              </a:ext>
+            </a:extLst>
+          </p:cNvPr>
+          <p:cNvSpPr txBox="1">
+            <a:spLocks/>
+          </p:cNvSpPr>
+          <p:nvPr/>
+        </p:nvSpPr>
+        <p:spPr>
+          <a:xfrm>
+            <a:off x="107809" y="335304"/>
+            <a:ext cx="3641806" cy="592995"/>
+          </a:xfrm>
+          <a:prstGeom prst="rect">
+            <a:avLst/>
+          </a:prstGeom>
+          <a:noFill/>
+          <a:ln>
+            <a:noFill/>
+          </a:ln>
+        </p:spPr>
+        <p:txBody>
+          <a:bodyPr spcFirstLastPara="1" wrap="square" lIns="91425" tIns="91425" rIns="91425" bIns="91425" anchor="t" anchorCtr="0">
+            <a:noAutofit/>
+          </a:bodyPr>
+          <a:lstStyle>
+            <a:defPPr marR="0" lvl="0" algn="l" rtl="0">
+              <a:lnSpc>
+                <a:spcPct val="100000"/>
+              </a:lnSpc>
+              <a:spcBef>
+                <a:spcPts val="0"/>
+              </a:spcBef>
+              <a:spcAft>
+                <a:spcPts val="0"/>
+              </a:spcAft>
+            </a:defPPr>
+            <a:lvl1pPr marR="0" lvl="0" algn="ctr" rtl="0">
+              <a:lnSpc>
+                <a:spcPct val="100000"/>
+              </a:lnSpc>
+              <a:spcBef>
+                <a:spcPts val="0"/>
+              </a:spcBef>
+              <a:spcAft>
+                <a:spcPts val="0"/>
+              </a:spcAft>
+              <a:buClr>
+                <a:schemeClr val="dk1"/>
+              </a:buClr>
+              <a:buSzPts val="5200"/>
+              <a:buFont typeface="Arial"/>
+              <a:buNone/>
+              <a:defRPr sz="5200" b="0" i="0" u="none" strike="noStrike" cap="none">
+                <a:solidFill>
+                  <a:schemeClr val="dk1"/>
+                </a:solidFill>
+                <a:latin typeface="Arial"/>
+                <a:ea typeface="Arial"/>
+                <a:cs typeface="Arial"/>
+                <a:sym typeface="Arial"/>
+              </a:defRPr>
+            </a:lvl1pPr>
+            <a:lvl2pPr marR="0" lvl="1" algn="ctr" rtl="0">
+              <a:lnSpc>
+                <a:spcPct val="100000"/>
+              </a:lnSpc>
+              <a:spcBef>
+                <a:spcPts val="0"/>
+              </a:spcBef>
+              <a:spcAft>
+                <a:spcPts val="0"/>
+              </a:spcAft>
+              <a:buClr>
+                <a:schemeClr val="dk1"/>
+              </a:buClr>
+              <a:buSzPts val="5200"/>
+              <a:buFont typeface="Arial"/>
+              <a:buNone/>
+              <a:defRPr sz="5200" b="0" i="0" u="none" strike="noStrike" cap="none">
+                <a:solidFill>
+                  <a:schemeClr val="dk1"/>
+                </a:solidFill>
+                <a:latin typeface="Arial"/>
+                <a:ea typeface="Arial"/>
+                <a:cs typeface="Arial"/>
+                <a:sym typeface="Arial"/>
+              </a:defRPr>
+            </a:lvl2pPr>
+            <a:lvl3pPr marR="0" lvl="2" algn="ctr" rtl="0">
+              <a:lnSpc>
+                <a:spcPct val="100000"/>
+              </a:lnSpc>
+              <a:spcBef>
+                <a:spcPts val="0"/>
+              </a:spcBef>
+              <a:spcAft>
+                <a:spcPts val="0"/>
+              </a:spcAft>
+              <a:buClr>
+                <a:schemeClr val="dk1"/>
+              </a:buClr>
+              <a:buSzPts val="5200"/>
+              <a:buFont typeface="Arial"/>
+              <a:buNone/>
+              <a:defRPr sz="5200" b="0" i="0" u="none" strike="noStrike" cap="none">
+                <a:solidFill>
+                  <a:schemeClr val="dk1"/>
+                </a:solidFill>
+                <a:latin typeface="Arial"/>
+                <a:ea typeface="Arial"/>
+                <a:cs typeface="Arial"/>
+                <a:sym typeface="Arial"/>
+              </a:defRPr>
+            </a:lvl3pPr>
+            <a:lvl4pPr marR="0" lvl="3" algn="ctr" rtl="0">
+              <a:lnSpc>
+                <a:spcPct val="100000"/>
+              </a:lnSpc>
+              <a:spcBef>
+                <a:spcPts val="0"/>
+              </a:spcBef>
+              <a:spcAft>
+                <a:spcPts val="0"/>
+              </a:spcAft>
+              <a:buClr>
+                <a:schemeClr val="dk1"/>
+              </a:buClr>
+              <a:buSzPts val="5200"/>
+              <a:buFont typeface="Arial"/>
+              <a:buNone/>
+              <a:defRPr sz="5200" b="0" i="0" u="none" strike="noStrike" cap="none">
+                <a:solidFill>
+                  <a:schemeClr val="dk1"/>
+                </a:solidFill>
+                <a:latin typeface="Arial"/>
+                <a:ea typeface="Arial"/>
+                <a:cs typeface="Arial"/>
+                <a:sym typeface="Arial"/>
+              </a:defRPr>
+            </a:lvl4pPr>
+            <a:lvl5pPr marR="0" lvl="4" algn="ctr" rtl="0">
+              <a:lnSpc>
+                <a:spcPct val="100000"/>
+              </a:lnSpc>
+              <a:spcBef>
+                <a:spcPts val="0"/>
+              </a:spcBef>
+              <a:spcAft>
+                <a:spcPts val="0"/>
+              </a:spcAft>
+              <a:buClr>
+                <a:schemeClr val="dk1"/>
+              </a:buClr>
+              <a:buSzPts val="5200"/>
+              <a:buFont typeface="Arial"/>
+              <a:buNone/>
+              <a:defRPr sz="5200" b="0" i="0" u="none" strike="noStrike" cap="none">
+                <a:solidFill>
+                  <a:schemeClr val="dk1"/>
+                </a:solidFill>
+                <a:latin typeface="Arial"/>
+                <a:ea typeface="Arial"/>
+                <a:cs typeface="Arial"/>
+                <a:sym typeface="Arial"/>
+              </a:defRPr>
+            </a:lvl5pPr>
+            <a:lvl6pPr marR="0" lvl="5" algn="ctr" rtl="0">
+              <a:lnSpc>
+                <a:spcPct val="100000"/>
+              </a:lnSpc>
+              <a:spcBef>
+                <a:spcPts val="0"/>
+              </a:spcBef>
+              <a:spcAft>
+                <a:spcPts val="0"/>
+              </a:spcAft>
+              <a:buClr>
+                <a:schemeClr val="dk1"/>
+              </a:buClr>
+              <a:buSzPts val="5200"/>
+              <a:buFont typeface="Arial"/>
+              <a:buNone/>
+              <a:defRPr sz="5200" b="0" i="0" u="none" strike="noStrike" cap="none">
+                <a:solidFill>
+                  <a:schemeClr val="dk1"/>
+                </a:solidFill>
+                <a:latin typeface="Arial"/>
+                <a:ea typeface="Arial"/>
+                <a:cs typeface="Arial"/>
+                <a:sym typeface="Arial"/>
+              </a:defRPr>
+            </a:lvl6pPr>
+            <a:lvl7pPr marR="0" lvl="6" algn="ctr" rtl="0">
+              <a:lnSpc>
+                <a:spcPct val="100000"/>
+              </a:lnSpc>
+              <a:spcBef>
+                <a:spcPts val="0"/>
+              </a:spcBef>
+              <a:spcAft>
+                <a:spcPts val="0"/>
+              </a:spcAft>
+              <a:buClr>
+                <a:schemeClr val="dk1"/>
+              </a:buClr>
+              <a:buSzPts val="5200"/>
+              <a:buFont typeface="Arial"/>
+              <a:buNone/>
+              <a:defRPr sz="5200" b="0" i="0" u="none" strike="noStrike" cap="none">
+                <a:solidFill>
+                  <a:schemeClr val="dk1"/>
+                </a:solidFill>
+                <a:latin typeface="Arial"/>
+                <a:ea typeface="Arial"/>
+                <a:cs typeface="Arial"/>
+                <a:sym typeface="Arial"/>
+              </a:defRPr>
+            </a:lvl7pPr>
+            <a:lvl8pPr marR="0" lvl="7" algn="ctr" rtl="0">
+              <a:lnSpc>
+                <a:spcPct val="100000"/>
+              </a:lnSpc>
+              <a:spcBef>
+                <a:spcPts val="0"/>
+              </a:spcBef>
+              <a:spcAft>
+                <a:spcPts val="0"/>
+              </a:spcAft>
+              <a:buClr>
+                <a:schemeClr val="dk1"/>
+              </a:buClr>
+              <a:buSzPts val="5200"/>
+              <a:buFont typeface="Arial"/>
+              <a:buNone/>
+              <a:defRPr sz="5200" b="0" i="0" u="none" strike="noStrike" cap="none">
+                <a:solidFill>
+                  <a:schemeClr val="dk1"/>
+                </a:solidFill>
+                <a:latin typeface="Arial"/>
+                <a:ea typeface="Arial"/>
+                <a:cs typeface="Arial"/>
+                <a:sym typeface="Arial"/>
+              </a:defRPr>
+            </a:lvl8pPr>
+            <a:lvl9pPr marR="0" lvl="8" algn="ctr" rtl="0">
+              <a:lnSpc>
+                <a:spcPct val="100000"/>
+              </a:lnSpc>
+              <a:spcBef>
+                <a:spcPts val="0"/>
+              </a:spcBef>
+              <a:spcAft>
+                <a:spcPts val="0"/>
+              </a:spcAft>
+              <a:buClr>
+                <a:schemeClr val="dk1"/>
+              </a:buClr>
+              <a:buSzPts val="5200"/>
+              <a:buFont typeface="Arial"/>
+              <a:buNone/>
+              <a:defRPr sz="5200" b="0" i="0" u="none" strike="noStrike" cap="none">
+                <a:solidFill>
+                  <a:schemeClr val="dk1"/>
+                </a:solidFill>
+                <a:latin typeface="Arial"/>
+                <a:ea typeface="Arial"/>
+                <a:cs typeface="Arial"/>
+                <a:sym typeface="Arial"/>
+              </a:defRPr>
+            </a:lvl9pPr>
+          </a:lstStyle>
+          <a:p>
+            <a:pPr algn="l">
+              <a:buSzPts val="990"/>
+            </a:pPr>
+            <a:r>
+              <a:rPr lang="en-US" sz="3000" b="1" dirty="0">
+                <a:solidFill>
+                  <a:schemeClr val="bg1"/>
+                </a:solidFill>
+                <a:latin typeface="+mj-lt"/>
+              </a:rPr>
+              <a:t>TRACKER</a:t>
+            </a:r>
+          </a:p>
+        </p:txBody>
+      </p:sp>
+      <p:pic>
+        <p:nvPicPr>
+          <p:cNvPr id="3" name="Рисунок 2">
+            <a:extLst>
+              <a:ext uri="{FF2B5EF4-FFF2-40B4-BE49-F238E27FC236}">
+                <a16:creationId xmlns:a16="http://schemas.microsoft.com/office/drawing/2014/main" id="{6DBEEF96-8163-4584-BA54-011D11DA4138}"/>
+              </a:ext>
+            </a:extLst>
+          </p:cNvPr>
+          <p:cNvPicPr>
+            <a:picLocks noChangeAspect="1"/>
+          </p:cNvPicPr>
+          <p:nvPr/>
+        </p:nvPicPr>
+        <p:blipFill>
+          <a:blip r:embed="rId5"/>
+          <a:stretch>
+            <a:fillRect/>
+          </a:stretch>
+        </p:blipFill>
+        <p:spPr>
+          <a:xfrm>
+            <a:off x="306591" y="1365029"/>
+            <a:ext cx="5929274" cy="3745006"/>
+          </a:xfrm>
+          <a:prstGeom prst="rect">
+            <a:avLst/>
+          </a:prstGeom>
+        </p:spPr>
+      </p:pic>
+      <p:pic>
+        <p:nvPicPr>
+          <p:cNvPr id="16" name="Рисунок 15">
+            <a:extLst>
+              <a:ext uri="{FF2B5EF4-FFF2-40B4-BE49-F238E27FC236}">
+                <a16:creationId xmlns:a16="http://schemas.microsoft.com/office/drawing/2014/main" id="{275F89AC-621A-4676-9CE3-0F9F5A4A4884}"/>
+              </a:ext>
+            </a:extLst>
+          </p:cNvPr>
+          <p:cNvPicPr>
+            <a:picLocks noChangeAspect="1"/>
+          </p:cNvPicPr>
+          <p:nvPr/>
+        </p:nvPicPr>
+        <p:blipFill>
+          <a:blip r:embed="rId6">
+            <a:alphaModFix/>
+            <a:extLst>
+              <a:ext uri="{BEBA8EAE-BF5A-486C-A8C5-ECC9F3942E4B}">
+                <a14:imgProps xmlns:a14="http://schemas.microsoft.com/office/drawing/2010/main">
+                  <a14:imgLayer r:embed="rId7">
+                    <a14:imgEffect>
+                      <a14:saturation sat="91000"/>
+                    </a14:imgEffect>
+                  </a14:imgLayer>
+                </a14:imgProps>
+              </a:ext>
+            </a:extLst>
+          </a:blip>
+          <a:stretch>
+            <a:fillRect/>
+          </a:stretch>
+        </p:blipFill>
+        <p:spPr>
+          <a:xfrm>
+            <a:off x="6798268" y="3187699"/>
+            <a:ext cx="4086071" cy="3911601"/>
+          </a:xfrm>
+          <a:prstGeom prst="rect">
+            <a:avLst/>
+          </a:prstGeom>
+        </p:spPr>
+      </p:pic>
+      <p:sp>
+        <p:nvSpPr>
+          <p:cNvPr id="17" name="TextBox 16">
+            <a:extLst>
+              <a:ext uri="{FF2B5EF4-FFF2-40B4-BE49-F238E27FC236}">
+                <a16:creationId xmlns:a16="http://schemas.microsoft.com/office/drawing/2014/main" id="{E73248D4-0ED0-45F9-92A7-0E164CC43384}"/>
+              </a:ext>
+            </a:extLst>
+          </p:cNvPr>
+          <p:cNvSpPr txBox="1"/>
+          <p:nvPr/>
+        </p:nvSpPr>
+        <p:spPr>
+          <a:xfrm>
+            <a:off x="8372475" y="4679156"/>
+            <a:ext cx="383438" cy="307777"/>
+          </a:xfrm>
+          <a:prstGeom prst="rect">
+            <a:avLst/>
+          </a:prstGeom>
+          <a:noFill/>
+        </p:spPr>
+        <p:txBody>
+          <a:bodyPr wrap="none" rtlCol="0">
+            <a:spAutoFit/>
+          </a:bodyPr>
+          <a:lstStyle/>
+          <a:p>
+            <a:r>
+              <a:rPr lang="en-US" dirty="0">
+                <a:solidFill>
+                  <a:schemeClr val="bg1"/>
+                </a:solidFill>
+              </a:rPr>
+              <a:t>1</a:t>
+            </a:r>
+            <a:r>
+              <a:rPr lang="ru-RU" dirty="0">
+                <a:solidFill>
+                  <a:schemeClr val="bg1"/>
+                </a:solidFill>
+              </a:rPr>
+              <a:t>5</a:t>
+            </a:r>
+          </a:p>
+        </p:txBody>
+      </p:sp>
+    </p:spTree>
+    <p:extLst>
+      <p:ext uri="{BB962C8B-B14F-4D97-AF65-F5344CB8AC3E}">
+        <p14:creationId xmlns:p14="http://schemas.microsoft.com/office/powerpoint/2010/main" val="3859395757"/>
+      </p:ext>
+    </p:extLst>
+  </p:cSld>
+  <p:clrMapOvr>
+    <a:masterClrMapping/>
+  </p:clrMapOvr>
+</p:sld>
+</file>
+
+<file path=ppt/slides/slide16.xml><?xml version="1.0" encoding="utf-8"?>
 <p:sld xmlns:a="http://schemas.openxmlformats.org/drawingml/2006/main" xmlns:r="http://schemas.openxmlformats.org/officeDocument/2006/relationships" xmlns:p="http://schemas.openxmlformats.org/presentationml/2006/main">
   <p:cSld>
     <p:bg>
@@ -12297,6 +14489,50 @@
           </a:prstGeom>
         </p:spPr>
       </p:pic>
+      <p:sp>
+        <p:nvSpPr>
+          <p:cNvPr id="2" name="TextBox 1">
+            <a:extLst>
+              <a:ext uri="{FF2B5EF4-FFF2-40B4-BE49-F238E27FC236}">
+                <a16:creationId xmlns:a16="http://schemas.microsoft.com/office/drawing/2014/main" id="{BDF2EB1B-66B1-4B6A-84EC-4318DB6D8289}"/>
+              </a:ext>
+            </a:extLst>
+          </p:cNvPr>
+          <p:cNvSpPr txBox="1"/>
+          <p:nvPr/>
+        </p:nvSpPr>
+        <p:spPr>
+          <a:xfrm>
+            <a:off x="8372475" y="4679156"/>
+            <a:ext cx="284052" cy="307777"/>
+          </a:xfrm>
+          <a:prstGeom prst="rect">
+            <a:avLst/>
+          </a:prstGeom>
+          <a:noFill/>
+        </p:spPr>
+        <p:txBody>
+          <a:bodyPr wrap="none" rtlCol="0">
+            <a:spAutoFit/>
+          </a:bodyPr>
+          <a:lstStyle/>
+          <a:p>
+            <a:r>
+              <a:rPr lang="en-US" dirty="0">
+                <a:solidFill>
+                  <a:schemeClr val="bg1"/>
+                </a:solidFill>
+              </a:rPr>
+              <a:t>2</a:t>
+            </a:r>
+            <a:endParaRPr lang="ru-RU" dirty="0">
+              <a:solidFill>
+                <a:schemeClr val="bg1"/>
+              </a:solidFill>
+            </a:endParaRPr>
+          </a:p>
+        </p:txBody>
+      </p:sp>
     </p:spTree>
     <p:extLst>
       <p:ext uri="{BB962C8B-B14F-4D97-AF65-F5344CB8AC3E}">
@@ -12975,6 +15211,50 @@
           </a:prstGeom>
         </p:spPr>
       </p:pic>
+      <p:sp>
+        <p:nvSpPr>
+          <p:cNvPr id="14" name="TextBox 13">
+            <a:extLst>
+              <a:ext uri="{FF2B5EF4-FFF2-40B4-BE49-F238E27FC236}">
+                <a16:creationId xmlns:a16="http://schemas.microsoft.com/office/drawing/2014/main" id="{F00A2EE5-DC67-43DE-822C-DF145DFE9FB8}"/>
+              </a:ext>
+            </a:extLst>
+          </p:cNvPr>
+          <p:cNvSpPr txBox="1"/>
+          <p:nvPr/>
+        </p:nvSpPr>
+        <p:spPr>
+          <a:xfrm>
+            <a:off x="8372475" y="4679156"/>
+            <a:ext cx="284052" cy="307777"/>
+          </a:xfrm>
+          <a:prstGeom prst="rect">
+            <a:avLst/>
+          </a:prstGeom>
+          <a:noFill/>
+        </p:spPr>
+        <p:txBody>
+          <a:bodyPr wrap="none" rtlCol="0">
+            <a:spAutoFit/>
+          </a:bodyPr>
+          <a:lstStyle/>
+          <a:p>
+            <a:r>
+              <a:rPr lang="en-US" dirty="0">
+                <a:solidFill>
+                  <a:schemeClr val="bg1"/>
+                </a:solidFill>
+              </a:rPr>
+              <a:t>3</a:t>
+            </a:r>
+            <a:endParaRPr lang="ru-RU" dirty="0">
+              <a:solidFill>
+                <a:schemeClr val="bg1"/>
+              </a:solidFill>
+            </a:endParaRPr>
+          </a:p>
+        </p:txBody>
+      </p:sp>
     </p:spTree>
     <p:extLst>
       <p:ext uri="{BB962C8B-B14F-4D97-AF65-F5344CB8AC3E}">
@@ -13439,6 +15719,50 @@
           </a:prstGeom>
         </p:spPr>
       </p:pic>
+      <p:sp>
+        <p:nvSpPr>
+          <p:cNvPr id="7" name="TextBox 6">
+            <a:extLst>
+              <a:ext uri="{FF2B5EF4-FFF2-40B4-BE49-F238E27FC236}">
+                <a16:creationId xmlns:a16="http://schemas.microsoft.com/office/drawing/2014/main" id="{B95B91CC-27CD-4872-AFF0-DADF4BE29D5D}"/>
+              </a:ext>
+            </a:extLst>
+          </p:cNvPr>
+          <p:cNvSpPr txBox="1"/>
+          <p:nvPr/>
+        </p:nvSpPr>
+        <p:spPr>
+          <a:xfrm>
+            <a:off x="8372475" y="4679156"/>
+            <a:ext cx="284052" cy="307777"/>
+          </a:xfrm>
+          <a:prstGeom prst="rect">
+            <a:avLst/>
+          </a:prstGeom>
+          <a:noFill/>
+        </p:spPr>
+        <p:txBody>
+          <a:bodyPr wrap="none" rtlCol="0">
+            <a:spAutoFit/>
+          </a:bodyPr>
+          <a:lstStyle/>
+          <a:p>
+            <a:r>
+              <a:rPr lang="en-US" dirty="0">
+                <a:solidFill>
+                  <a:schemeClr val="bg1"/>
+                </a:solidFill>
+              </a:rPr>
+              <a:t>4</a:t>
+            </a:r>
+            <a:endParaRPr lang="ru-RU" dirty="0">
+              <a:solidFill>
+                <a:schemeClr val="bg1"/>
+              </a:solidFill>
+            </a:endParaRPr>
+          </a:p>
+        </p:txBody>
+      </p:sp>
     </p:spTree>
     <p:extLst>
       <p:ext uri="{BB962C8B-B14F-4D97-AF65-F5344CB8AC3E}">
@@ -13921,6 +16245,50 @@
           </a:extLst>
         </p:spPr>
       </p:pic>
+      <p:sp>
+        <p:nvSpPr>
+          <p:cNvPr id="10" name="TextBox 9">
+            <a:extLst>
+              <a:ext uri="{FF2B5EF4-FFF2-40B4-BE49-F238E27FC236}">
+                <a16:creationId xmlns:a16="http://schemas.microsoft.com/office/drawing/2014/main" id="{AB434F28-075D-4E1D-AA94-E58471927536}"/>
+              </a:ext>
+            </a:extLst>
+          </p:cNvPr>
+          <p:cNvSpPr txBox="1"/>
+          <p:nvPr/>
+        </p:nvSpPr>
+        <p:spPr>
+          <a:xfrm>
+            <a:off x="8372475" y="4679156"/>
+            <a:ext cx="284052" cy="307777"/>
+          </a:xfrm>
+          <a:prstGeom prst="rect">
+            <a:avLst/>
+          </a:prstGeom>
+          <a:noFill/>
+        </p:spPr>
+        <p:txBody>
+          <a:bodyPr wrap="none" rtlCol="0">
+            <a:spAutoFit/>
+          </a:bodyPr>
+          <a:lstStyle/>
+          <a:p>
+            <a:r>
+              <a:rPr lang="en-US" dirty="0">
+                <a:solidFill>
+                  <a:schemeClr val="bg1"/>
+                </a:solidFill>
+              </a:rPr>
+              <a:t>5</a:t>
+            </a:r>
+            <a:endParaRPr lang="ru-RU" dirty="0">
+              <a:solidFill>
+                <a:schemeClr val="bg1"/>
+              </a:solidFill>
+            </a:endParaRPr>
+          </a:p>
+        </p:txBody>
+      </p:sp>
     </p:spTree>
     <p:extLst>
       <p:ext uri="{BB962C8B-B14F-4D97-AF65-F5344CB8AC3E}">
@@ -14385,6 +16753,50 @@
           </a:prstGeom>
         </p:spPr>
       </p:pic>
+      <p:sp>
+        <p:nvSpPr>
+          <p:cNvPr id="19" name="TextBox 18">
+            <a:extLst>
+              <a:ext uri="{FF2B5EF4-FFF2-40B4-BE49-F238E27FC236}">
+                <a16:creationId xmlns:a16="http://schemas.microsoft.com/office/drawing/2014/main" id="{FD035489-BA72-4A43-B066-2BACCCF0719F}"/>
+              </a:ext>
+            </a:extLst>
+          </p:cNvPr>
+          <p:cNvSpPr txBox="1"/>
+          <p:nvPr/>
+        </p:nvSpPr>
+        <p:spPr>
+          <a:xfrm>
+            <a:off x="8372475" y="4679156"/>
+            <a:ext cx="284052" cy="307777"/>
+          </a:xfrm>
+          <a:prstGeom prst="rect">
+            <a:avLst/>
+          </a:prstGeom>
+          <a:noFill/>
+        </p:spPr>
+        <p:txBody>
+          <a:bodyPr wrap="none" rtlCol="0">
+            <a:spAutoFit/>
+          </a:bodyPr>
+          <a:lstStyle/>
+          <a:p>
+            <a:r>
+              <a:rPr lang="en-US" dirty="0">
+                <a:solidFill>
+                  <a:schemeClr val="bg1"/>
+                </a:solidFill>
+              </a:rPr>
+              <a:t>6</a:t>
+            </a:r>
+            <a:endParaRPr lang="ru-RU" dirty="0">
+              <a:solidFill>
+                <a:schemeClr val="bg1"/>
+              </a:solidFill>
+            </a:endParaRPr>
+          </a:p>
+        </p:txBody>
+      </p:sp>
     </p:spTree>
     <p:extLst>
       <p:ext uri="{BB962C8B-B14F-4D97-AF65-F5344CB8AC3E}">
@@ -14814,6 +17226,50 @@
           </a:prstGeom>
         </p:spPr>
       </p:pic>
+      <p:sp>
+        <p:nvSpPr>
+          <p:cNvPr id="15" name="TextBox 14">
+            <a:extLst>
+              <a:ext uri="{FF2B5EF4-FFF2-40B4-BE49-F238E27FC236}">
+                <a16:creationId xmlns:a16="http://schemas.microsoft.com/office/drawing/2014/main" id="{2F1CDA49-D2EE-4B29-9FA1-AD119F58E17B}"/>
+              </a:ext>
+            </a:extLst>
+          </p:cNvPr>
+          <p:cNvSpPr txBox="1"/>
+          <p:nvPr/>
+        </p:nvSpPr>
+        <p:spPr>
+          <a:xfrm>
+            <a:off x="8372475" y="4679156"/>
+            <a:ext cx="284052" cy="307777"/>
+          </a:xfrm>
+          <a:prstGeom prst="rect">
+            <a:avLst/>
+          </a:prstGeom>
+          <a:noFill/>
+        </p:spPr>
+        <p:txBody>
+          <a:bodyPr wrap="none" rtlCol="0">
+            <a:spAutoFit/>
+          </a:bodyPr>
+          <a:lstStyle/>
+          <a:p>
+            <a:r>
+              <a:rPr lang="en-US" dirty="0">
+                <a:solidFill>
+                  <a:schemeClr val="bg1"/>
+                </a:solidFill>
+              </a:rPr>
+              <a:t>7</a:t>
+            </a:r>
+            <a:endParaRPr lang="ru-RU" dirty="0">
+              <a:solidFill>
+                <a:schemeClr val="bg1"/>
+              </a:solidFill>
+            </a:endParaRPr>
+          </a:p>
+        </p:txBody>
+      </p:sp>
     </p:spTree>
     <p:extLst>
       <p:ext uri="{BB962C8B-B14F-4D97-AF65-F5344CB8AC3E}">
@@ -15214,6 +17670,50 @@
           </a:prstGeom>
         </p:spPr>
       </p:pic>
+      <p:sp>
+        <p:nvSpPr>
+          <p:cNvPr id="8" name="TextBox 7">
+            <a:extLst>
+              <a:ext uri="{FF2B5EF4-FFF2-40B4-BE49-F238E27FC236}">
+                <a16:creationId xmlns:a16="http://schemas.microsoft.com/office/drawing/2014/main" id="{89AF7EC8-0C8D-4BB3-A5ED-11DC6CEA80AC}"/>
+              </a:ext>
+            </a:extLst>
+          </p:cNvPr>
+          <p:cNvSpPr txBox="1"/>
+          <p:nvPr/>
+        </p:nvSpPr>
+        <p:spPr>
+          <a:xfrm>
+            <a:off x="8372475" y="4679156"/>
+            <a:ext cx="284052" cy="307777"/>
+          </a:xfrm>
+          <a:prstGeom prst="rect">
+            <a:avLst/>
+          </a:prstGeom>
+          <a:noFill/>
+        </p:spPr>
+        <p:txBody>
+          <a:bodyPr wrap="none" rtlCol="0">
+            <a:spAutoFit/>
+          </a:bodyPr>
+          <a:lstStyle/>
+          <a:p>
+            <a:r>
+              <a:rPr lang="en-US" dirty="0">
+                <a:solidFill>
+                  <a:schemeClr val="bg1"/>
+                </a:solidFill>
+              </a:rPr>
+              <a:t>8</a:t>
+            </a:r>
+            <a:endParaRPr lang="ru-RU" dirty="0">
+              <a:solidFill>
+                <a:schemeClr val="bg1"/>
+              </a:solidFill>
+            </a:endParaRPr>
+          </a:p>
+        </p:txBody>
+      </p:sp>
     </p:spTree>
     <p:extLst>
       <p:ext uri="{BB962C8B-B14F-4D97-AF65-F5344CB8AC3E}">
@@ -15610,6 +18110,50 @@
                 <a:schemeClr val="bg1"/>
               </a:solidFill>
               <a:latin typeface="+mj-lt"/>
+            </a:endParaRPr>
+          </a:p>
+        </p:txBody>
+      </p:sp>
+      <p:sp>
+        <p:nvSpPr>
+          <p:cNvPr id="9" name="TextBox 8">
+            <a:extLst>
+              <a:ext uri="{FF2B5EF4-FFF2-40B4-BE49-F238E27FC236}">
+                <a16:creationId xmlns:a16="http://schemas.microsoft.com/office/drawing/2014/main" id="{2C853CF4-1A8D-4B88-A24C-1E60F1D0C3A6}"/>
+              </a:ext>
+            </a:extLst>
+          </p:cNvPr>
+          <p:cNvSpPr txBox="1"/>
+          <p:nvPr/>
+        </p:nvSpPr>
+        <p:spPr>
+          <a:xfrm>
+            <a:off x="8372475" y="4679156"/>
+            <a:ext cx="284052" cy="307777"/>
+          </a:xfrm>
+          <a:prstGeom prst="rect">
+            <a:avLst/>
+          </a:prstGeom>
+          <a:noFill/>
+        </p:spPr>
+        <p:txBody>
+          <a:bodyPr wrap="none" rtlCol="0">
+            <a:spAutoFit/>
+          </a:bodyPr>
+          <a:lstStyle/>
+          <a:p>
+            <a:r>
+              <a:rPr lang="en-US" dirty="0">
+                <a:solidFill>
+                  <a:schemeClr val="bg1"/>
+                </a:solidFill>
+              </a:rPr>
+              <a:t>9</a:t>
+            </a:r>
+            <a:endParaRPr lang="ru-RU" dirty="0">
+              <a:solidFill>
+                <a:schemeClr val="bg1"/>
+              </a:solidFill>
             </a:endParaRPr>
           </a:p>
         </p:txBody>
